--- a/MentalFitness/icons.pptx
+++ b/MentalFitness/icons.pptx
@@ -245,7 +245,7 @@
           <a:p>
             <a:fld id="{5AF8E0B7-2DDD-4FA9-BD61-70046F1FBC9B}" type="datetimeFigureOut">
               <a:rPr lang="en-US" smtClean="0"/>
-              <a:t>5/16/2024</a:t>
+              <a:t>5/17/2024</a:t>
             </a:fld>
             <a:endParaRPr lang="en-US"/>
           </a:p>
@@ -415,7 +415,7 @@
           <a:p>
             <a:fld id="{5AF8E0B7-2DDD-4FA9-BD61-70046F1FBC9B}" type="datetimeFigureOut">
               <a:rPr lang="en-US" smtClean="0"/>
-              <a:t>5/16/2024</a:t>
+              <a:t>5/17/2024</a:t>
             </a:fld>
             <a:endParaRPr lang="en-US"/>
           </a:p>
@@ -595,7 +595,7 @@
           <a:p>
             <a:fld id="{5AF8E0B7-2DDD-4FA9-BD61-70046F1FBC9B}" type="datetimeFigureOut">
               <a:rPr lang="en-US" smtClean="0"/>
-              <a:t>5/16/2024</a:t>
+              <a:t>5/17/2024</a:t>
             </a:fld>
             <a:endParaRPr lang="en-US"/>
           </a:p>
@@ -765,7 +765,7 @@
           <a:p>
             <a:fld id="{5AF8E0B7-2DDD-4FA9-BD61-70046F1FBC9B}" type="datetimeFigureOut">
               <a:rPr lang="en-US" smtClean="0"/>
-              <a:t>5/16/2024</a:t>
+              <a:t>5/17/2024</a:t>
             </a:fld>
             <a:endParaRPr lang="en-US"/>
           </a:p>
@@ -1011,7 +1011,7 @@
           <a:p>
             <a:fld id="{5AF8E0B7-2DDD-4FA9-BD61-70046F1FBC9B}" type="datetimeFigureOut">
               <a:rPr lang="en-US" smtClean="0"/>
-              <a:t>5/16/2024</a:t>
+              <a:t>5/17/2024</a:t>
             </a:fld>
             <a:endParaRPr lang="en-US"/>
           </a:p>
@@ -1243,7 +1243,7 @@
           <a:p>
             <a:fld id="{5AF8E0B7-2DDD-4FA9-BD61-70046F1FBC9B}" type="datetimeFigureOut">
               <a:rPr lang="en-US" smtClean="0"/>
-              <a:t>5/16/2024</a:t>
+              <a:t>5/17/2024</a:t>
             </a:fld>
             <a:endParaRPr lang="en-US"/>
           </a:p>
@@ -1610,7 +1610,7 @@
           <a:p>
             <a:fld id="{5AF8E0B7-2DDD-4FA9-BD61-70046F1FBC9B}" type="datetimeFigureOut">
               <a:rPr lang="en-US" smtClean="0"/>
-              <a:t>5/16/2024</a:t>
+              <a:t>5/17/2024</a:t>
             </a:fld>
             <a:endParaRPr lang="en-US"/>
           </a:p>
@@ -1728,7 +1728,7 @@
           <a:p>
             <a:fld id="{5AF8E0B7-2DDD-4FA9-BD61-70046F1FBC9B}" type="datetimeFigureOut">
               <a:rPr lang="en-US" smtClean="0"/>
-              <a:t>5/16/2024</a:t>
+              <a:t>5/17/2024</a:t>
             </a:fld>
             <a:endParaRPr lang="en-US"/>
           </a:p>
@@ -1823,7 +1823,7 @@
           <a:p>
             <a:fld id="{5AF8E0B7-2DDD-4FA9-BD61-70046F1FBC9B}" type="datetimeFigureOut">
               <a:rPr lang="en-US" smtClean="0"/>
-              <a:t>5/16/2024</a:t>
+              <a:t>5/17/2024</a:t>
             </a:fld>
             <a:endParaRPr lang="en-US"/>
           </a:p>
@@ -2100,7 +2100,7 @@
           <a:p>
             <a:fld id="{5AF8E0B7-2DDD-4FA9-BD61-70046F1FBC9B}" type="datetimeFigureOut">
               <a:rPr lang="en-US" smtClean="0"/>
-              <a:t>5/16/2024</a:t>
+              <a:t>5/17/2024</a:t>
             </a:fld>
             <a:endParaRPr lang="en-US"/>
           </a:p>
@@ -2353,7 +2353,7 @@
           <a:p>
             <a:fld id="{5AF8E0B7-2DDD-4FA9-BD61-70046F1FBC9B}" type="datetimeFigureOut">
               <a:rPr lang="en-US" smtClean="0"/>
-              <a:t>5/16/2024</a:t>
+              <a:t>5/17/2024</a:t>
             </a:fld>
             <a:endParaRPr lang="en-US"/>
           </a:p>
@@ -2566,7 +2566,7 @@
           <a:p>
             <a:fld id="{5AF8E0B7-2DDD-4FA9-BD61-70046F1FBC9B}" type="datetimeFigureOut">
               <a:rPr lang="en-US" smtClean="0"/>
-              <a:t>5/16/2024</a:t>
+              <a:t>5/17/2024</a:t>
             </a:fld>
             <a:endParaRPr lang="en-US"/>
           </a:p>
@@ -3393,6 +3393,643 @@
           <a:chExt cx="0" cy="0"/>
         </a:xfrm>
       </p:grpSpPr>
+      <p:graphicFrame>
+        <p:nvGraphicFramePr>
+          <p:cNvPr id="47" name="Table 46"/>
+          <p:cNvGraphicFramePr>
+            <a:graphicFrameLocks noGrp="1"/>
+          </p:cNvGraphicFramePr>
+          <p:nvPr>
+            <p:extLst>
+              <p:ext uri="{D42A27DB-BD31-4B8C-83A1-F6EECF244321}">
+                <p14:modId xmlns:p14="http://schemas.microsoft.com/office/powerpoint/2010/main" val="3987289252"/>
+              </p:ext>
+            </p:extLst>
+          </p:nvPr>
+        </p:nvGraphicFramePr>
+        <p:xfrm>
+          <a:off x="247777" y="565980"/>
+          <a:ext cx="5856346" cy="3294144"/>
+        </p:xfrm>
+        <a:graphic>
+          <a:graphicData uri="http://schemas.openxmlformats.org/drawingml/2006/table">
+            <a:tbl>
+              <a:tblPr bandRow="1">
+                <a:tableStyleId>{8EC20E35-A176-4012-BC5E-935CFFF8708E}</a:tableStyleId>
+              </a:tblPr>
+              <a:tblGrid>
+                <a:gridCol w="893759"/>
+                <a:gridCol w="4962587"/>
+              </a:tblGrid>
+              <a:tr h="411768">
+                <a:tc>
+                  <a:txBody>
+                    <a:bodyPr/>
+                    <a:lstStyle/>
+                    <a:p>
+                      <a:r>
+                        <a:rPr lang="en-US" sz="1050" b="1" dirty="0" smtClean="0"/>
+                        <a:t>Tournament</a:t>
+                      </a:r>
+                      <a:endParaRPr lang="en-US" sz="1050" b="1" dirty="0"/>
+                    </a:p>
+                  </a:txBody>
+                  <a:tcPr>
+                    <a:solidFill>
+                      <a:srgbClr val="FFFFFF"/>
+                    </a:solidFill>
+                  </a:tcPr>
+                </a:tc>
+                <a:tc>
+                  <a:txBody>
+                    <a:bodyPr/>
+                    <a:lstStyle/>
+                    <a:p>
+                      <a:r>
+                        <a:rPr lang="en-US" sz="900" dirty="0" smtClean="0">
+                          <a:solidFill>
+                            <a:schemeClr val="tx1"/>
+                          </a:solidFill>
+                        </a:rPr>
+                        <a:t>A series of games to </a:t>
+                      </a:r>
+                      <a:r>
+                        <a:rPr lang="en-US" sz="900" b="1" dirty="0" smtClean="0">
+                          <a:solidFill>
+                            <a:schemeClr val="tx1"/>
+                          </a:solidFill>
+                        </a:rPr>
+                        <a:t>measure</a:t>
+                      </a:r>
+                      <a:r>
+                        <a:rPr lang="en-US" sz="900" dirty="0" smtClean="0">
+                          <a:solidFill>
+                            <a:schemeClr val="tx1"/>
+                          </a:solidFill>
+                        </a:rPr>
+                        <a:t> </a:t>
+                      </a:r>
+                      <a:r>
+                        <a:rPr lang="en-US" sz="900" b="1" dirty="0" smtClean="0">
+                          <a:solidFill>
+                            <a:schemeClr val="tx1"/>
+                          </a:solidFill>
+                        </a:rPr>
+                        <a:t>rank</a:t>
+                      </a:r>
+                      <a:r>
+                        <a:rPr lang="en-US" sz="900" dirty="0" smtClean="0">
+                          <a:solidFill>
+                            <a:schemeClr val="tx1"/>
+                          </a:solidFill>
+                        </a:rPr>
+                        <a:t> of </a:t>
+                      </a:r>
+                      <a:r>
+                        <a:rPr lang="en-US" sz="900" dirty="0" smtClean="0">
+                          <a:solidFill>
+                            <a:schemeClr val="tx1"/>
+                          </a:solidFill>
+                        </a:rPr>
+                        <a:t>teams</a:t>
+                      </a:r>
+                      <a:endParaRPr lang="en-US" sz="900" dirty="0">
+                        <a:solidFill>
+                          <a:schemeClr val="tx1"/>
+                        </a:solidFill>
+                      </a:endParaRPr>
+                    </a:p>
+                  </a:txBody>
+                  <a:tcPr>
+                    <a:solidFill>
+                      <a:srgbClr val="FFFFFF"/>
+                    </a:solidFill>
+                  </a:tcPr>
+                </a:tc>
+              </a:tr>
+              <a:tr h="411768">
+                <a:tc>
+                  <a:txBody>
+                    <a:bodyPr/>
+                    <a:lstStyle/>
+                    <a:p>
+                      <a:r>
+                        <a:rPr lang="en-US" sz="1050" b="1" dirty="0" smtClean="0"/>
+                        <a:t>Teamwork</a:t>
+                      </a:r>
+                      <a:endParaRPr lang="en-US" sz="1050" b="1" dirty="0"/>
+                    </a:p>
+                  </a:txBody>
+                  <a:tcPr>
+                    <a:solidFill>
+                      <a:srgbClr val="E7E7E7"/>
+                    </a:solidFill>
+                  </a:tcPr>
+                </a:tc>
+                <a:tc>
+                  <a:txBody>
+                    <a:bodyPr/>
+                    <a:lstStyle/>
+                    <a:p>
+                      <a:r>
+                        <a:rPr lang="en-US" sz="900" dirty="0" smtClean="0">
+                          <a:solidFill>
+                            <a:schemeClr val="tx1"/>
+                          </a:solidFill>
+                        </a:rPr>
+                        <a:t>Group of interdependent individuals </a:t>
+                      </a:r>
+                      <a:r>
+                        <a:rPr lang="en-US" sz="900" dirty="0" smtClean="0">
+                          <a:solidFill>
+                            <a:schemeClr val="tx1"/>
+                          </a:solidFill>
+                        </a:rPr>
+                        <a:t>working </a:t>
+                      </a:r>
+                      <a:r>
+                        <a:rPr lang="en-US" sz="900" b="1" dirty="0" smtClean="0">
+                          <a:solidFill>
+                            <a:schemeClr val="tx1"/>
+                          </a:solidFill>
+                        </a:rPr>
+                        <a:t>together</a:t>
+                      </a:r>
+                      <a:r>
+                        <a:rPr lang="en-US" sz="900" dirty="0" smtClean="0">
+                          <a:solidFill>
+                            <a:schemeClr val="tx1"/>
+                          </a:solidFill>
+                        </a:rPr>
+                        <a:t> towards a </a:t>
+                      </a:r>
+                      <a:r>
+                        <a:rPr lang="en-US" sz="900" b="1" dirty="0" smtClean="0">
+                          <a:solidFill>
+                            <a:schemeClr val="tx1"/>
+                          </a:solidFill>
+                        </a:rPr>
+                        <a:t>common goal</a:t>
+                      </a:r>
+                      <a:endParaRPr lang="en-US" sz="900" b="1" dirty="0">
+                        <a:solidFill>
+                          <a:schemeClr val="tx1"/>
+                        </a:solidFill>
+                      </a:endParaRPr>
+                    </a:p>
+                  </a:txBody>
+                  <a:tcPr marR="1920240">
+                    <a:solidFill>
+                      <a:srgbClr val="E7E7E7"/>
+                    </a:solidFill>
+                  </a:tcPr>
+                </a:tc>
+              </a:tr>
+              <a:tr h="411768">
+                <a:tc>
+                  <a:txBody>
+                    <a:bodyPr/>
+                    <a:lstStyle/>
+                    <a:p>
+                      <a:r>
+                        <a:rPr lang="en-US" sz="1050" b="1" dirty="0" smtClean="0"/>
+                        <a:t>Win</a:t>
+                      </a:r>
+                      <a:endParaRPr lang="en-US" sz="1050" b="1" dirty="0"/>
+                    </a:p>
+                  </a:txBody>
+                  <a:tcPr>
+                    <a:solidFill>
+                      <a:srgbClr val="FFFFFF"/>
+                    </a:solidFill>
+                  </a:tcPr>
+                </a:tc>
+                <a:tc>
+                  <a:txBody>
+                    <a:bodyPr/>
+                    <a:lstStyle/>
+                    <a:p>
+                      <a:r>
+                        <a:rPr lang="en-US" sz="900" b="1" dirty="0" smtClean="0">
+                          <a:solidFill>
+                            <a:schemeClr val="tx1"/>
+                          </a:solidFill>
+                        </a:rPr>
+                        <a:t>Leading</a:t>
+                      </a:r>
+                      <a:r>
+                        <a:rPr lang="en-US" sz="900" dirty="0" smtClean="0">
+                          <a:solidFill>
+                            <a:schemeClr val="tx1"/>
+                          </a:solidFill>
+                        </a:rPr>
+                        <a:t> </a:t>
+                      </a:r>
+                      <a:r>
+                        <a:rPr lang="en-US" sz="900" kern="1200" dirty="0" smtClean="0">
+                          <a:solidFill>
+                            <a:schemeClr val="tx1"/>
+                          </a:solidFill>
+                          <a:latin typeface="+mn-lt"/>
+                          <a:ea typeface="+mn-ea"/>
+                          <a:cs typeface="+mn-cs"/>
+                        </a:rPr>
+                        <a:t>at end </a:t>
+                      </a:r>
+                      <a:r>
+                        <a:rPr lang="en-US" sz="900" dirty="0" smtClean="0">
+                          <a:solidFill>
+                            <a:schemeClr val="tx1"/>
+                          </a:solidFill>
+                        </a:rPr>
+                        <a:t>of </a:t>
+                      </a:r>
+                      <a:r>
+                        <a:rPr lang="en-US" sz="900" b="1" dirty="0" smtClean="0">
+                          <a:solidFill>
+                            <a:schemeClr val="tx1"/>
+                          </a:solidFill>
+                        </a:rPr>
+                        <a:t>final whistle </a:t>
+                      </a:r>
+                      <a:r>
+                        <a:rPr lang="en-US" sz="900" dirty="0" smtClean="0">
+                          <a:solidFill>
+                            <a:schemeClr val="tx1"/>
+                          </a:solidFill>
+                        </a:rPr>
+                        <a:t>blow</a:t>
+                      </a:r>
+                      <a:endParaRPr lang="en-US" sz="900" dirty="0">
+                        <a:solidFill>
+                          <a:schemeClr val="tx1"/>
+                        </a:solidFill>
+                      </a:endParaRPr>
+                    </a:p>
+                  </a:txBody>
+                  <a:tcPr>
+                    <a:solidFill>
+                      <a:srgbClr val="FFFFFF"/>
+                    </a:solidFill>
+                  </a:tcPr>
+                </a:tc>
+              </a:tr>
+              <a:tr h="411768">
+                <a:tc>
+                  <a:txBody>
+                    <a:bodyPr/>
+                    <a:lstStyle/>
+                    <a:p>
+                      <a:r>
+                        <a:rPr lang="en-US" sz="1050" b="1" dirty="0" smtClean="0"/>
+                        <a:t>Leading</a:t>
+                      </a:r>
+                      <a:endParaRPr lang="en-US" sz="1050" b="1" dirty="0"/>
+                    </a:p>
+                  </a:txBody>
+                  <a:tcPr>
+                    <a:solidFill>
+                      <a:srgbClr val="E7E7E7"/>
+                    </a:solidFill>
+                  </a:tcPr>
+                </a:tc>
+                <a:tc>
+                  <a:txBody>
+                    <a:bodyPr/>
+                    <a:lstStyle/>
+                    <a:p>
+                      <a:r>
+                        <a:rPr lang="en-US" sz="900" b="1" dirty="0" smtClean="0">
+                          <a:solidFill>
+                            <a:schemeClr val="tx1"/>
+                          </a:solidFill>
+                        </a:rPr>
+                        <a:t>More</a:t>
+                      </a:r>
+                      <a:r>
+                        <a:rPr lang="en-US" sz="900" dirty="0" smtClean="0">
+                          <a:solidFill>
+                            <a:schemeClr val="tx1"/>
+                          </a:solidFill>
+                        </a:rPr>
+                        <a:t> points than opponent</a:t>
+                      </a:r>
+                      <a:r>
+                        <a:rPr lang="en-US" sz="900" baseline="0" dirty="0" smtClean="0">
+                          <a:solidFill>
+                            <a:schemeClr val="tx1"/>
+                          </a:solidFill>
+                        </a:rPr>
+                        <a:t> </a:t>
+                      </a:r>
+                      <a:r>
+                        <a:rPr lang="en-US" sz="900" baseline="0" dirty="0" smtClean="0">
+                          <a:solidFill>
+                            <a:schemeClr val="tx1"/>
+                          </a:solidFill>
+                        </a:rPr>
+                        <a:t>while game is still at play</a:t>
+                      </a:r>
+                      <a:endParaRPr lang="en-US" sz="900" dirty="0">
+                        <a:solidFill>
+                          <a:schemeClr val="tx1"/>
+                        </a:solidFill>
+                      </a:endParaRPr>
+                    </a:p>
+                  </a:txBody>
+                  <a:tcPr marR="2834640">
+                    <a:solidFill>
+                      <a:srgbClr val="E7E7E7"/>
+                    </a:solidFill>
+                  </a:tcPr>
+                </a:tc>
+              </a:tr>
+              <a:tr h="411768">
+                <a:tc>
+                  <a:txBody>
+                    <a:bodyPr/>
+                    <a:lstStyle/>
+                    <a:p>
+                      <a:r>
+                        <a:rPr lang="en-US" sz="1050" b="1" dirty="0" smtClean="0"/>
+                        <a:t>Game</a:t>
+                      </a:r>
+                      <a:endParaRPr lang="en-US" sz="1050" b="1" dirty="0"/>
+                    </a:p>
+                  </a:txBody>
+                  <a:tcPr>
+                    <a:solidFill>
+                      <a:srgbClr val="FFFFFF"/>
+                    </a:solidFill>
+                  </a:tcPr>
+                </a:tc>
+                <a:tc>
+                  <a:txBody>
+                    <a:bodyPr/>
+                    <a:lstStyle/>
+                    <a:p>
+                      <a:r>
+                        <a:rPr lang="en-US" sz="900" b="1" baseline="0" dirty="0" smtClean="0">
+                          <a:solidFill>
+                            <a:schemeClr val="tx1"/>
+                          </a:solidFill>
+                        </a:rPr>
+                        <a:t>Start</a:t>
+                      </a:r>
+                      <a:r>
+                        <a:rPr lang="en-US" sz="900" baseline="0" dirty="0" smtClean="0">
+                          <a:solidFill>
+                            <a:schemeClr val="tx1"/>
+                          </a:solidFill>
+                        </a:rPr>
+                        <a:t> of whistle …. </a:t>
+                      </a:r>
+                      <a:r>
+                        <a:rPr lang="en-US" sz="900" dirty="0" smtClean="0">
+                          <a:solidFill>
+                            <a:schemeClr val="tx1"/>
+                          </a:solidFill>
+                        </a:rPr>
+                        <a:t>Period</a:t>
+                      </a:r>
+                      <a:r>
+                        <a:rPr lang="en-US" sz="900" baseline="0" dirty="0" smtClean="0">
+                          <a:solidFill>
+                            <a:schemeClr val="tx1"/>
+                          </a:solidFill>
+                        </a:rPr>
+                        <a:t> of </a:t>
+                      </a:r>
+                      <a:r>
+                        <a:rPr lang="en-US" sz="900" b="1" baseline="0" dirty="0" smtClean="0">
+                          <a:solidFill>
+                            <a:schemeClr val="tx1"/>
+                          </a:solidFill>
+                        </a:rPr>
+                        <a:t>play</a:t>
+                      </a:r>
+                      <a:r>
+                        <a:rPr lang="en-US" sz="900" baseline="0" dirty="0" smtClean="0">
+                          <a:solidFill>
+                            <a:schemeClr val="tx1"/>
+                          </a:solidFill>
+                        </a:rPr>
+                        <a:t> …. </a:t>
+                      </a:r>
+                      <a:r>
+                        <a:rPr lang="en-US" sz="900" b="1" baseline="0" dirty="0" smtClean="0">
+                          <a:solidFill>
+                            <a:schemeClr val="tx1"/>
+                          </a:solidFill>
+                        </a:rPr>
+                        <a:t>final </a:t>
+                      </a:r>
+                    </a:p>
+                    <a:p>
+                      <a:r>
+                        <a:rPr lang="en-US" sz="900" b="1" baseline="0" dirty="0" smtClean="0">
+                          <a:solidFill>
+                            <a:schemeClr val="tx1"/>
+                          </a:solidFill>
+                        </a:rPr>
+                        <a:t>whistle</a:t>
+                      </a:r>
+                      <a:r>
+                        <a:rPr lang="en-US" sz="900" baseline="0" dirty="0" smtClean="0">
+                          <a:solidFill>
+                            <a:schemeClr val="tx1"/>
+                          </a:solidFill>
+                        </a:rPr>
+                        <a:t> blow</a:t>
+                      </a:r>
+                      <a:endParaRPr lang="en-US" sz="900" dirty="0">
+                        <a:solidFill>
+                          <a:schemeClr val="tx1"/>
+                        </a:solidFill>
+                      </a:endParaRPr>
+                    </a:p>
+                  </a:txBody>
+                  <a:tcPr>
+                    <a:solidFill>
+                      <a:srgbClr val="FFFFFF"/>
+                    </a:solidFill>
+                  </a:tcPr>
+                </a:tc>
+              </a:tr>
+              <a:tr h="411768">
+                <a:tc>
+                  <a:txBody>
+                    <a:bodyPr/>
+                    <a:lstStyle/>
+                    <a:p>
+                      <a:r>
+                        <a:rPr lang="en-US" sz="1050" b="1" dirty="0" smtClean="0"/>
+                        <a:t>Routine</a:t>
+                      </a:r>
+                      <a:endParaRPr lang="en-US" sz="1050" b="1" dirty="0"/>
+                    </a:p>
+                  </a:txBody>
+                  <a:tcPr>
+                    <a:solidFill>
+                      <a:srgbClr val="E7E7E7"/>
+                    </a:solidFill>
+                  </a:tcPr>
+                </a:tc>
+                <a:tc>
+                  <a:txBody>
+                    <a:bodyPr/>
+                    <a:lstStyle/>
+                    <a:p>
+                      <a:r>
+                        <a:rPr lang="en-US" sz="900" dirty="0" smtClean="0">
+                          <a:solidFill>
+                            <a:schemeClr val="tx1"/>
+                          </a:solidFill>
+                        </a:rPr>
+                        <a:t>A </a:t>
+                      </a:r>
+                      <a:r>
+                        <a:rPr lang="en-US" sz="900" b="1" dirty="0" smtClean="0">
+                          <a:solidFill>
+                            <a:schemeClr val="tx1"/>
+                          </a:solidFill>
+                        </a:rPr>
+                        <a:t>sequence</a:t>
+                      </a:r>
+                      <a:r>
+                        <a:rPr lang="en-US" sz="900" dirty="0" smtClean="0">
+                          <a:solidFill>
+                            <a:schemeClr val="tx1"/>
+                          </a:solidFill>
+                        </a:rPr>
+                        <a:t> of actions regularly followed.</a:t>
+                      </a:r>
+                      <a:endParaRPr lang="en-US" sz="900" dirty="0">
+                        <a:solidFill>
+                          <a:schemeClr val="tx1"/>
+                        </a:solidFill>
+                      </a:endParaRPr>
+                    </a:p>
+                  </a:txBody>
+                  <a:tcPr>
+                    <a:solidFill>
+                      <a:srgbClr val="E7E7E7"/>
+                    </a:solidFill>
+                  </a:tcPr>
+                </a:tc>
+              </a:tr>
+              <a:tr h="411768">
+                <a:tc>
+                  <a:txBody>
+                    <a:bodyPr/>
+                    <a:lstStyle/>
+                    <a:p>
+                      <a:r>
+                        <a:rPr lang="en-US" sz="1050" b="1" dirty="0" smtClean="0"/>
+                        <a:t>Tactics</a:t>
+                      </a:r>
+                      <a:endParaRPr lang="en-US" sz="1050" b="1" dirty="0"/>
+                    </a:p>
+                  </a:txBody>
+                  <a:tcPr>
+                    <a:solidFill>
+                      <a:srgbClr val="FFFFFF"/>
+                    </a:solidFill>
+                  </a:tcPr>
+                </a:tc>
+                <a:tc>
+                  <a:txBody>
+                    <a:bodyPr/>
+                    <a:lstStyle/>
+                    <a:p>
+                      <a:r>
+                        <a:rPr lang="en-US" sz="900" dirty="0" smtClean="0">
+                          <a:solidFill>
+                            <a:schemeClr val="tx1"/>
+                          </a:solidFill>
+                        </a:rPr>
+                        <a:t>Action</a:t>
+                      </a:r>
+                      <a:r>
+                        <a:rPr lang="en-US" sz="900" baseline="0" dirty="0" smtClean="0">
+                          <a:solidFill>
+                            <a:schemeClr val="tx1"/>
+                          </a:solidFill>
+                        </a:rPr>
+                        <a:t> </a:t>
+                      </a:r>
+                      <a:r>
+                        <a:rPr lang="en-US" sz="900" dirty="0" smtClean="0">
+                          <a:solidFill>
+                            <a:schemeClr val="tx1"/>
+                          </a:solidFill>
+                        </a:rPr>
+                        <a:t>or strategy carefully planned to </a:t>
+                      </a:r>
+                      <a:r>
+                        <a:rPr lang="en-US" sz="900" b="1" dirty="0" smtClean="0">
+                          <a:solidFill>
+                            <a:schemeClr val="tx1"/>
+                          </a:solidFill>
+                        </a:rPr>
+                        <a:t>achieve a specific end</a:t>
+                      </a:r>
+                      <a:r>
+                        <a:rPr lang="en-US" sz="900" dirty="0" smtClean="0">
+                          <a:solidFill>
+                            <a:schemeClr val="tx1"/>
+                          </a:solidFill>
+                        </a:rPr>
+                        <a:t>.</a:t>
+                      </a:r>
+                      <a:endParaRPr lang="en-US" sz="900" dirty="0">
+                        <a:solidFill>
+                          <a:schemeClr val="tx1"/>
+                        </a:solidFill>
+                      </a:endParaRPr>
+                    </a:p>
+                  </a:txBody>
+                  <a:tcPr marR="3108960">
+                    <a:solidFill>
+                      <a:srgbClr val="FFFFFF"/>
+                    </a:solidFill>
+                  </a:tcPr>
+                </a:tc>
+              </a:tr>
+              <a:tr h="411768">
+                <a:tc>
+                  <a:txBody>
+                    <a:bodyPr/>
+                    <a:lstStyle/>
+                    <a:p>
+                      <a:endParaRPr lang="en-US" sz="1050" dirty="0"/>
+                    </a:p>
+                  </a:txBody>
+                  <a:tcPr>
+                    <a:solidFill>
+                      <a:srgbClr val="E7E7E7"/>
+                    </a:solidFill>
+                  </a:tcPr>
+                </a:tc>
+                <a:tc>
+                  <a:txBody>
+                    <a:bodyPr/>
+                    <a:lstStyle/>
+                    <a:p>
+                      <a:endParaRPr lang="en-US" sz="900" dirty="0"/>
+                    </a:p>
+                  </a:txBody>
+                  <a:tcPr>
+                    <a:solidFill>
+                      <a:srgbClr val="E7E7E7"/>
+                    </a:solidFill>
+                  </a:tcPr>
+                </a:tc>
+              </a:tr>
+            </a:tbl>
+          </a:graphicData>
+        </a:graphic>
+      </p:graphicFrame>
       <p:sp>
         <p:nvSpPr>
           <p:cNvPr id="234" name="Pie 233"/>
@@ -3783,609 +4420,6 @@
           </a:effectLst>
         </p:spPr>
       </p:pic>
-      <p:graphicFrame>
-        <p:nvGraphicFramePr>
-          <p:cNvPr id="165" name="Table 164"/>
-          <p:cNvGraphicFramePr>
-            <a:graphicFrameLocks noGrp="1"/>
-          </p:cNvGraphicFramePr>
-          <p:nvPr>
-            <p:extLst>
-              <p:ext uri="{D42A27DB-BD31-4B8C-83A1-F6EECF244321}">
-                <p14:modId xmlns:p14="http://schemas.microsoft.com/office/powerpoint/2010/main" val="662089656"/>
-              </p:ext>
-            </p:extLst>
-          </p:nvPr>
-        </p:nvGraphicFramePr>
-        <p:xfrm>
-          <a:off x="249784" y="566988"/>
-          <a:ext cx="5856346" cy="3294144"/>
-        </p:xfrm>
-        <a:graphic>
-          <a:graphicData uri="http://schemas.openxmlformats.org/drawingml/2006/table">
-            <a:tbl>
-              <a:tblPr bandRow="1">
-                <a:tableStyleId>{8EC20E35-A176-4012-BC5E-935CFFF8708E}</a:tableStyleId>
-              </a:tblPr>
-              <a:tblGrid>
-                <a:gridCol w="893759"/>
-                <a:gridCol w="4962587"/>
-              </a:tblGrid>
-              <a:tr h="411768">
-                <a:tc>
-                  <a:txBody>
-                    <a:bodyPr/>
-                    <a:lstStyle/>
-                    <a:p>
-                      <a:r>
-                        <a:rPr lang="en-US" sz="1050" b="1" dirty="0" smtClean="0"/>
-                        <a:t>Tournament</a:t>
-                      </a:r>
-                      <a:endParaRPr lang="en-US" sz="1050" b="1" dirty="0"/>
-                    </a:p>
-                  </a:txBody>
-                  <a:tcPr>
-                    <a:solidFill>
-                      <a:srgbClr val="FFFFFF"/>
-                    </a:solidFill>
-                  </a:tcPr>
-                </a:tc>
-                <a:tc>
-                  <a:txBody>
-                    <a:bodyPr/>
-                    <a:lstStyle/>
-                    <a:p>
-                      <a:r>
-                        <a:rPr lang="en-US" sz="900" dirty="0" smtClean="0">
-                          <a:solidFill>
-                            <a:schemeClr val="tx1">
-                              <a:lumMod val="65000"/>
-                              <a:lumOff val="35000"/>
-                            </a:schemeClr>
-                          </a:solidFill>
-                        </a:rPr>
-                        <a:t>A series of games to </a:t>
-                      </a:r>
-                      <a:r>
-                        <a:rPr lang="en-US" sz="900" b="1" dirty="0" smtClean="0">
-                          <a:solidFill>
-                            <a:schemeClr val="tx1"/>
-                          </a:solidFill>
-                        </a:rPr>
-                        <a:t>measure</a:t>
-                      </a:r>
-                      <a:r>
-                        <a:rPr lang="en-US" sz="900" dirty="0" smtClean="0">
-                          <a:solidFill>
-                            <a:schemeClr val="tx1">
-                              <a:lumMod val="65000"/>
-                              <a:lumOff val="35000"/>
-                            </a:schemeClr>
-                          </a:solidFill>
-                        </a:rPr>
-                        <a:t> </a:t>
-                      </a:r>
-                      <a:r>
-                        <a:rPr lang="en-US" sz="900" b="1" dirty="0" smtClean="0">
-                          <a:solidFill>
-                            <a:schemeClr val="tx1"/>
-                          </a:solidFill>
-                        </a:rPr>
-                        <a:t>rank</a:t>
-                      </a:r>
-                      <a:r>
-                        <a:rPr lang="en-US" sz="900" dirty="0" smtClean="0">
-                          <a:solidFill>
-                            <a:schemeClr val="tx1"/>
-                          </a:solidFill>
-                        </a:rPr>
-                        <a:t> </a:t>
-                      </a:r>
-                      <a:r>
-                        <a:rPr lang="en-US" sz="900" dirty="0" smtClean="0">
-                          <a:solidFill>
-                            <a:schemeClr val="tx1">
-                              <a:lumMod val="65000"/>
-                              <a:lumOff val="35000"/>
-                            </a:schemeClr>
-                          </a:solidFill>
-                        </a:rPr>
-                        <a:t>of a team</a:t>
-                      </a:r>
-                      <a:endParaRPr lang="en-US" sz="900" dirty="0">
-                        <a:solidFill>
-                          <a:schemeClr val="tx1">
-                            <a:lumMod val="65000"/>
-                            <a:lumOff val="35000"/>
-                          </a:schemeClr>
-                        </a:solidFill>
-                      </a:endParaRPr>
-                    </a:p>
-                  </a:txBody>
-                  <a:tcPr>
-                    <a:solidFill>
-                      <a:srgbClr val="FFFFFF"/>
-                    </a:solidFill>
-                  </a:tcPr>
-                </a:tc>
-              </a:tr>
-              <a:tr h="411768">
-                <a:tc>
-                  <a:txBody>
-                    <a:bodyPr/>
-                    <a:lstStyle/>
-                    <a:p>
-                      <a:r>
-                        <a:rPr lang="en-US" sz="1050" b="1" dirty="0" smtClean="0"/>
-                        <a:t>Teamwork</a:t>
-                      </a:r>
-                      <a:endParaRPr lang="en-US" sz="1050" b="1" dirty="0"/>
-                    </a:p>
-                  </a:txBody>
-                  <a:tcPr>
-                    <a:solidFill>
-                      <a:srgbClr val="E7E7E7"/>
-                    </a:solidFill>
-                  </a:tcPr>
-                </a:tc>
-                <a:tc>
-                  <a:txBody>
-                    <a:bodyPr/>
-                    <a:lstStyle/>
-                    <a:p>
-                      <a:r>
-                        <a:rPr lang="en-US" sz="900" dirty="0" smtClean="0">
-                          <a:solidFill>
-                            <a:schemeClr val="tx1">
-                              <a:lumMod val="65000"/>
-                              <a:lumOff val="35000"/>
-                            </a:schemeClr>
-                          </a:solidFill>
-                        </a:rPr>
-                        <a:t>Group of interdependent individuals </a:t>
-                      </a:r>
-                    </a:p>
-                    <a:p>
-                      <a:r>
-                        <a:rPr lang="en-US" sz="900" dirty="0" smtClean="0">
-                          <a:solidFill>
-                            <a:schemeClr val="tx1">
-                              <a:lumMod val="65000"/>
-                              <a:lumOff val="35000"/>
-                            </a:schemeClr>
-                          </a:solidFill>
-                        </a:rPr>
-                        <a:t>working together towards a common goal</a:t>
-                      </a:r>
-                      <a:endParaRPr lang="en-US" sz="900" dirty="0">
-                        <a:solidFill>
-                          <a:schemeClr val="tx1">
-                            <a:lumMod val="65000"/>
-                            <a:lumOff val="35000"/>
-                          </a:schemeClr>
-                        </a:solidFill>
-                      </a:endParaRPr>
-                    </a:p>
-                  </a:txBody>
-                  <a:tcPr>
-                    <a:solidFill>
-                      <a:srgbClr val="E7E7E7"/>
-                    </a:solidFill>
-                  </a:tcPr>
-                </a:tc>
-              </a:tr>
-              <a:tr h="411768">
-                <a:tc>
-                  <a:txBody>
-                    <a:bodyPr/>
-                    <a:lstStyle/>
-                    <a:p>
-                      <a:r>
-                        <a:rPr lang="en-US" sz="1050" b="1" dirty="0" smtClean="0"/>
-                        <a:t>Win</a:t>
-                      </a:r>
-                      <a:endParaRPr lang="en-US" sz="1050" b="1" dirty="0"/>
-                    </a:p>
-                  </a:txBody>
-                  <a:tcPr>
-                    <a:solidFill>
-                      <a:srgbClr val="FFFFFF"/>
-                    </a:solidFill>
-                  </a:tcPr>
-                </a:tc>
-                <a:tc>
-                  <a:txBody>
-                    <a:bodyPr/>
-                    <a:lstStyle/>
-                    <a:p>
-                      <a:r>
-                        <a:rPr lang="en-US" sz="900" b="1" dirty="0" smtClean="0">
-                          <a:solidFill>
-                            <a:schemeClr val="tx1"/>
-                          </a:solidFill>
-                        </a:rPr>
-                        <a:t>Leading</a:t>
-                      </a:r>
-                      <a:r>
-                        <a:rPr lang="en-US" sz="900" dirty="0" smtClean="0">
-                          <a:solidFill>
-                            <a:schemeClr val="tx1">
-                              <a:lumMod val="65000"/>
-                              <a:lumOff val="35000"/>
-                            </a:schemeClr>
-                          </a:solidFill>
-                        </a:rPr>
-                        <a:t> </a:t>
-                      </a:r>
-                      <a:r>
-                        <a:rPr lang="en-US" sz="900" kern="1200" dirty="0" smtClean="0">
-                          <a:solidFill>
-                            <a:schemeClr val="tx1">
-                              <a:lumMod val="65000"/>
-                              <a:lumOff val="35000"/>
-                            </a:schemeClr>
-                          </a:solidFill>
-                          <a:latin typeface="+mn-lt"/>
-                          <a:ea typeface="+mn-ea"/>
-                          <a:cs typeface="+mn-cs"/>
-                        </a:rPr>
-                        <a:t>at end </a:t>
-                      </a:r>
-                      <a:r>
-                        <a:rPr lang="en-US" sz="900" dirty="0" smtClean="0">
-                          <a:solidFill>
-                            <a:schemeClr val="tx1">
-                              <a:lumMod val="65000"/>
-                              <a:lumOff val="35000"/>
-                            </a:schemeClr>
-                          </a:solidFill>
-                        </a:rPr>
-                        <a:t>of </a:t>
-                      </a:r>
-                      <a:r>
-                        <a:rPr lang="en-US" sz="900" b="1" dirty="0" smtClean="0">
-                          <a:solidFill>
-                            <a:schemeClr val="tx1"/>
-                          </a:solidFill>
-                        </a:rPr>
-                        <a:t>final whistle </a:t>
-                      </a:r>
-                      <a:r>
-                        <a:rPr lang="en-US" sz="900" dirty="0" smtClean="0">
-                          <a:solidFill>
-                            <a:schemeClr val="tx1">
-                              <a:lumMod val="65000"/>
-                              <a:lumOff val="35000"/>
-                            </a:schemeClr>
-                          </a:solidFill>
-                        </a:rPr>
-                        <a:t>blow</a:t>
-                      </a:r>
-                      <a:endParaRPr lang="en-US" sz="900" dirty="0">
-                        <a:solidFill>
-                          <a:schemeClr val="tx1">
-                            <a:lumMod val="65000"/>
-                            <a:lumOff val="35000"/>
-                          </a:schemeClr>
-                        </a:solidFill>
-                      </a:endParaRPr>
-                    </a:p>
-                  </a:txBody>
-                  <a:tcPr>
-                    <a:solidFill>
-                      <a:srgbClr val="FFFFFF"/>
-                    </a:solidFill>
-                  </a:tcPr>
-                </a:tc>
-              </a:tr>
-              <a:tr h="411768">
-                <a:tc>
-                  <a:txBody>
-                    <a:bodyPr/>
-                    <a:lstStyle/>
-                    <a:p>
-                      <a:r>
-                        <a:rPr lang="en-US" sz="1050" b="1" dirty="0" smtClean="0"/>
-                        <a:t>Leading</a:t>
-                      </a:r>
-                      <a:endParaRPr lang="en-US" sz="1050" b="1" dirty="0"/>
-                    </a:p>
-                  </a:txBody>
-                  <a:tcPr>
-                    <a:solidFill>
-                      <a:srgbClr val="E7E7E7"/>
-                    </a:solidFill>
-                  </a:tcPr>
-                </a:tc>
-                <a:tc>
-                  <a:txBody>
-                    <a:bodyPr/>
-                    <a:lstStyle/>
-                    <a:p>
-                      <a:r>
-                        <a:rPr lang="en-US" sz="900" dirty="0" smtClean="0">
-                          <a:solidFill>
-                            <a:schemeClr val="tx1">
-                              <a:lumMod val="65000"/>
-                              <a:lumOff val="35000"/>
-                            </a:schemeClr>
-                          </a:solidFill>
-                        </a:rPr>
-                        <a:t>More points than opponent</a:t>
-                      </a:r>
-                      <a:r>
-                        <a:rPr lang="en-US" sz="900" baseline="0" dirty="0" smtClean="0">
-                          <a:solidFill>
-                            <a:schemeClr val="tx1">
-                              <a:lumMod val="65000"/>
-                              <a:lumOff val="35000"/>
-                            </a:schemeClr>
-                          </a:solidFill>
-                        </a:rPr>
-                        <a:t> </a:t>
-                      </a:r>
-                    </a:p>
-                    <a:p>
-                      <a:r>
-                        <a:rPr lang="en-US" sz="900" baseline="0" dirty="0" smtClean="0">
-                          <a:solidFill>
-                            <a:schemeClr val="tx1">
-                              <a:lumMod val="65000"/>
-                              <a:lumOff val="35000"/>
-                            </a:schemeClr>
-                          </a:solidFill>
-                        </a:rPr>
-                        <a:t>at a given time</a:t>
-                      </a:r>
-                      <a:endParaRPr lang="en-US" sz="900" dirty="0">
-                        <a:solidFill>
-                          <a:schemeClr val="tx1">
-                            <a:lumMod val="65000"/>
-                            <a:lumOff val="35000"/>
-                          </a:schemeClr>
-                        </a:solidFill>
-                      </a:endParaRPr>
-                    </a:p>
-                  </a:txBody>
-                  <a:tcPr>
-                    <a:solidFill>
-                      <a:srgbClr val="E7E7E7"/>
-                    </a:solidFill>
-                  </a:tcPr>
-                </a:tc>
-              </a:tr>
-              <a:tr h="411768">
-                <a:tc>
-                  <a:txBody>
-                    <a:bodyPr/>
-                    <a:lstStyle/>
-                    <a:p>
-                      <a:r>
-                        <a:rPr lang="en-US" sz="1050" b="1" dirty="0" smtClean="0"/>
-                        <a:t>Game</a:t>
-                      </a:r>
-                      <a:endParaRPr lang="en-US" sz="1050" b="1" dirty="0"/>
-                    </a:p>
-                  </a:txBody>
-                  <a:tcPr>
-                    <a:solidFill>
-                      <a:srgbClr val="FFFFFF"/>
-                    </a:solidFill>
-                  </a:tcPr>
-                </a:tc>
-                <a:tc>
-                  <a:txBody>
-                    <a:bodyPr/>
-                    <a:lstStyle/>
-                    <a:p>
-                      <a:r>
-                        <a:rPr lang="en-US" sz="900" b="1" baseline="0" dirty="0" smtClean="0">
-                          <a:solidFill>
-                            <a:schemeClr val="tx1"/>
-                          </a:solidFill>
-                        </a:rPr>
-                        <a:t>Start</a:t>
-                      </a:r>
-                      <a:r>
-                        <a:rPr lang="en-US" sz="900" baseline="0" dirty="0" smtClean="0">
-                          <a:solidFill>
-                            <a:schemeClr val="tx1">
-                              <a:lumMod val="65000"/>
-                              <a:lumOff val="35000"/>
-                            </a:schemeClr>
-                          </a:solidFill>
-                        </a:rPr>
-                        <a:t> of whistle …. </a:t>
-                      </a:r>
-                      <a:r>
-                        <a:rPr lang="en-US" sz="900" dirty="0" smtClean="0">
-                          <a:solidFill>
-                            <a:schemeClr val="tx1">
-                              <a:lumMod val="65000"/>
-                              <a:lumOff val="35000"/>
-                            </a:schemeClr>
-                          </a:solidFill>
-                        </a:rPr>
-                        <a:t>Period</a:t>
-                      </a:r>
-                      <a:r>
-                        <a:rPr lang="en-US" sz="900" baseline="0" dirty="0" smtClean="0">
-                          <a:solidFill>
-                            <a:schemeClr val="tx1">
-                              <a:lumMod val="65000"/>
-                              <a:lumOff val="35000"/>
-                            </a:schemeClr>
-                          </a:solidFill>
-                        </a:rPr>
-                        <a:t> of </a:t>
-                      </a:r>
-                      <a:r>
-                        <a:rPr lang="en-US" sz="900" b="1" baseline="0" dirty="0" smtClean="0">
-                          <a:solidFill>
-                            <a:schemeClr val="tx1"/>
-                          </a:solidFill>
-                        </a:rPr>
-                        <a:t>play</a:t>
-                      </a:r>
-                      <a:r>
-                        <a:rPr lang="en-US" sz="900" baseline="0" dirty="0" smtClean="0">
-                          <a:solidFill>
-                            <a:schemeClr val="tx1">
-                              <a:lumMod val="65000"/>
-                              <a:lumOff val="35000"/>
-                            </a:schemeClr>
-                          </a:solidFill>
-                        </a:rPr>
-                        <a:t> …. </a:t>
-                      </a:r>
-                      <a:r>
-                        <a:rPr lang="en-US" sz="900" b="1" baseline="0" dirty="0" smtClean="0">
-                          <a:solidFill>
-                            <a:schemeClr val="tx1"/>
-                          </a:solidFill>
-                        </a:rPr>
-                        <a:t>final </a:t>
-                      </a:r>
-                    </a:p>
-                    <a:p>
-                      <a:r>
-                        <a:rPr lang="en-US" sz="900" b="1" baseline="0" dirty="0" smtClean="0">
-                          <a:solidFill>
-                            <a:schemeClr val="tx1"/>
-                          </a:solidFill>
-                        </a:rPr>
-                        <a:t>whistle</a:t>
-                      </a:r>
-                      <a:r>
-                        <a:rPr lang="en-US" sz="900" baseline="0" dirty="0" smtClean="0">
-                          <a:solidFill>
-                            <a:schemeClr val="tx1"/>
-                          </a:solidFill>
-                        </a:rPr>
-                        <a:t> </a:t>
-                      </a:r>
-                      <a:r>
-                        <a:rPr lang="en-US" sz="900" baseline="0" dirty="0" smtClean="0">
-                          <a:solidFill>
-                            <a:schemeClr val="tx1">
-                              <a:lumMod val="65000"/>
-                              <a:lumOff val="35000"/>
-                            </a:schemeClr>
-                          </a:solidFill>
-                        </a:rPr>
-                        <a:t>blow</a:t>
-                      </a:r>
-                      <a:endParaRPr lang="en-US" sz="900" dirty="0">
-                        <a:solidFill>
-                          <a:schemeClr val="tx1">
-                            <a:lumMod val="65000"/>
-                            <a:lumOff val="35000"/>
-                          </a:schemeClr>
-                        </a:solidFill>
-                      </a:endParaRPr>
-                    </a:p>
-                  </a:txBody>
-                  <a:tcPr>
-                    <a:solidFill>
-                      <a:srgbClr val="FFFFFF"/>
-                    </a:solidFill>
-                  </a:tcPr>
-                </a:tc>
-              </a:tr>
-              <a:tr h="411768">
-                <a:tc>
-                  <a:txBody>
-                    <a:bodyPr/>
-                    <a:lstStyle/>
-                    <a:p>
-                      <a:endParaRPr lang="en-US" sz="1050" dirty="0"/>
-                    </a:p>
-                  </a:txBody>
-                  <a:tcPr>
-                    <a:solidFill>
-                      <a:srgbClr val="E7E7E7"/>
-                    </a:solidFill>
-                  </a:tcPr>
-                </a:tc>
-                <a:tc>
-                  <a:txBody>
-                    <a:bodyPr/>
-                    <a:lstStyle/>
-                    <a:p>
-                      <a:endParaRPr lang="en-US" sz="900" dirty="0"/>
-                    </a:p>
-                  </a:txBody>
-                  <a:tcPr>
-                    <a:solidFill>
-                      <a:srgbClr val="E7E7E7"/>
-                    </a:solidFill>
-                  </a:tcPr>
-                </a:tc>
-              </a:tr>
-              <a:tr h="411768">
-                <a:tc>
-                  <a:txBody>
-                    <a:bodyPr/>
-                    <a:lstStyle/>
-                    <a:p>
-                      <a:endParaRPr lang="en-US" sz="1050" dirty="0"/>
-                    </a:p>
-                  </a:txBody>
-                  <a:tcPr>
-                    <a:solidFill>
-                      <a:srgbClr val="FFFFFF"/>
-                    </a:solidFill>
-                  </a:tcPr>
-                </a:tc>
-                <a:tc>
-                  <a:txBody>
-                    <a:bodyPr/>
-                    <a:lstStyle/>
-                    <a:p>
-                      <a:endParaRPr lang="en-US" sz="900" dirty="0"/>
-                    </a:p>
-                  </a:txBody>
-                  <a:tcPr>
-                    <a:solidFill>
-                      <a:srgbClr val="FFFFFF"/>
-                    </a:solidFill>
-                  </a:tcPr>
-                </a:tc>
-              </a:tr>
-              <a:tr h="411768">
-                <a:tc>
-                  <a:txBody>
-                    <a:bodyPr/>
-                    <a:lstStyle/>
-                    <a:p>
-                      <a:endParaRPr lang="en-US" sz="1050" dirty="0"/>
-                    </a:p>
-                  </a:txBody>
-                  <a:tcPr>
-                    <a:solidFill>
-                      <a:srgbClr val="E7E7E7"/>
-                    </a:solidFill>
-                  </a:tcPr>
-                </a:tc>
-                <a:tc>
-                  <a:txBody>
-                    <a:bodyPr/>
-                    <a:lstStyle/>
-                    <a:p>
-                      <a:endParaRPr lang="en-US" sz="900" dirty="0"/>
-                    </a:p>
-                  </a:txBody>
-                  <a:tcPr>
-                    <a:solidFill>
-                      <a:srgbClr val="E7E7E7"/>
-                    </a:solidFill>
-                  </a:tcPr>
-                </a:tc>
-              </a:tr>
-            </a:tbl>
-          </a:graphicData>
-        </a:graphic>
-      </p:graphicFrame>
       <p:sp>
         <p:nvSpPr>
           <p:cNvPr id="173" name="Pie 172"/>

--- a/MentalFitness/icons.pptx
+++ b/MentalFitness/icons.pptx
@@ -156,10 +156,9 @@
           </a:lstStyle>
           <a:p>
             <a:r>
-              <a:rPr lang="en-US" smtClean="0"/>
+              <a:rPr lang="en-US"/>
               <a:t>Click to edit Master title style</a:t>
             </a:r>
-            <a:endParaRPr lang="en-US"/>
           </a:p>
         </p:txBody>
       </p:sp>
@@ -221,10 +220,9 @@
           </a:lstStyle>
           <a:p>
             <a:r>
-              <a:rPr lang="en-US" smtClean="0"/>
+              <a:rPr lang="en-US"/>
               <a:t>Click to edit Master subtitle style</a:t>
             </a:r>
-            <a:endParaRPr lang="en-US"/>
           </a:p>
         </p:txBody>
       </p:sp>
@@ -339,10 +337,9 @@
           <a:lstStyle/>
           <a:p>
             <a:r>
-              <a:rPr lang="en-US" smtClean="0"/>
+              <a:rPr lang="en-US"/>
               <a:t>Click to edit Master title style</a:t>
             </a:r>
-            <a:endParaRPr lang="en-US"/>
           </a:p>
         </p:txBody>
       </p:sp>
@@ -363,38 +360,37 @@
           <a:p>
             <a:pPr lvl="0"/>
             <a:r>
-              <a:rPr lang="en-US" smtClean="0"/>
+              <a:rPr lang="en-US"/>
               <a:t>Click to edit Master text styles</a:t>
             </a:r>
           </a:p>
           <a:p>
             <a:pPr lvl="1"/>
             <a:r>
-              <a:rPr lang="en-US" smtClean="0"/>
+              <a:rPr lang="en-US"/>
               <a:t>Second level</a:t>
             </a:r>
           </a:p>
           <a:p>
             <a:pPr lvl="2"/>
             <a:r>
-              <a:rPr lang="en-US" smtClean="0"/>
+              <a:rPr lang="en-US"/>
               <a:t>Third level</a:t>
             </a:r>
           </a:p>
           <a:p>
             <a:pPr lvl="3"/>
             <a:r>
-              <a:rPr lang="en-US" smtClean="0"/>
+              <a:rPr lang="en-US"/>
               <a:t>Fourth level</a:t>
             </a:r>
           </a:p>
           <a:p>
             <a:pPr lvl="4"/>
             <a:r>
-              <a:rPr lang="en-US" smtClean="0"/>
+              <a:rPr lang="en-US"/>
               <a:t>Fifth level</a:t>
             </a:r>
-            <a:endParaRPr lang="en-US"/>
           </a:p>
         </p:txBody>
       </p:sp>
@@ -514,10 +510,9 @@
           <a:lstStyle/>
           <a:p>
             <a:r>
-              <a:rPr lang="en-US" smtClean="0"/>
+              <a:rPr lang="en-US"/>
               <a:t>Click to edit Master title style</a:t>
             </a:r>
-            <a:endParaRPr lang="en-US"/>
           </a:p>
         </p:txBody>
       </p:sp>
@@ -543,38 +538,37 @@
           <a:p>
             <a:pPr lvl="0"/>
             <a:r>
-              <a:rPr lang="en-US" smtClean="0"/>
+              <a:rPr lang="en-US"/>
               <a:t>Click to edit Master text styles</a:t>
             </a:r>
           </a:p>
           <a:p>
             <a:pPr lvl="1"/>
             <a:r>
-              <a:rPr lang="en-US" smtClean="0"/>
+              <a:rPr lang="en-US"/>
               <a:t>Second level</a:t>
             </a:r>
           </a:p>
           <a:p>
             <a:pPr lvl="2"/>
             <a:r>
-              <a:rPr lang="en-US" smtClean="0"/>
+              <a:rPr lang="en-US"/>
               <a:t>Third level</a:t>
             </a:r>
           </a:p>
           <a:p>
             <a:pPr lvl="3"/>
             <a:r>
-              <a:rPr lang="en-US" smtClean="0"/>
+              <a:rPr lang="en-US"/>
               <a:t>Fourth level</a:t>
             </a:r>
           </a:p>
           <a:p>
             <a:pPr lvl="4"/>
             <a:r>
-              <a:rPr lang="en-US" smtClean="0"/>
+              <a:rPr lang="en-US"/>
               <a:t>Fifth level</a:t>
             </a:r>
-            <a:endParaRPr lang="en-US"/>
           </a:p>
         </p:txBody>
       </p:sp>
@@ -689,10 +683,9 @@
           <a:lstStyle/>
           <a:p>
             <a:r>
-              <a:rPr lang="en-US" smtClean="0"/>
+              <a:rPr lang="en-US"/>
               <a:t>Click to edit Master title style</a:t>
             </a:r>
-            <a:endParaRPr lang="en-US"/>
           </a:p>
         </p:txBody>
       </p:sp>
@@ -713,38 +706,37 @@
           <a:p>
             <a:pPr lvl="0"/>
             <a:r>
-              <a:rPr lang="en-US" smtClean="0"/>
+              <a:rPr lang="en-US"/>
               <a:t>Click to edit Master text styles</a:t>
             </a:r>
           </a:p>
           <a:p>
             <a:pPr lvl="1"/>
             <a:r>
-              <a:rPr lang="en-US" smtClean="0"/>
+              <a:rPr lang="en-US"/>
               <a:t>Second level</a:t>
             </a:r>
           </a:p>
           <a:p>
             <a:pPr lvl="2"/>
             <a:r>
-              <a:rPr lang="en-US" smtClean="0"/>
+              <a:rPr lang="en-US"/>
               <a:t>Third level</a:t>
             </a:r>
           </a:p>
           <a:p>
             <a:pPr lvl="3"/>
             <a:r>
-              <a:rPr lang="en-US" smtClean="0"/>
+              <a:rPr lang="en-US"/>
               <a:t>Fourth level</a:t>
             </a:r>
           </a:p>
           <a:p>
             <a:pPr lvl="4"/>
             <a:r>
-              <a:rPr lang="en-US" smtClean="0"/>
+              <a:rPr lang="en-US"/>
               <a:t>Fifth level</a:t>
             </a:r>
-            <a:endParaRPr lang="en-US"/>
           </a:p>
         </p:txBody>
       </p:sp>
@@ -868,10 +860,9 @@
           </a:lstStyle>
           <a:p>
             <a:r>
-              <a:rPr lang="en-US" smtClean="0"/>
+              <a:rPr lang="en-US"/>
               <a:t>Click to edit Master title style</a:t>
             </a:r>
-            <a:endParaRPr lang="en-US"/>
           </a:p>
         </p:txBody>
       </p:sp>
@@ -988,7 +979,7 @@
           <a:p>
             <a:pPr lvl="0"/>
             <a:r>
-              <a:rPr lang="en-US" smtClean="0"/>
+              <a:rPr lang="en-US"/>
               <a:t>Click to edit Master text styles</a:t>
             </a:r>
           </a:p>
@@ -1105,10 +1096,9 @@
           <a:lstStyle/>
           <a:p>
             <a:r>
-              <a:rPr lang="en-US" smtClean="0"/>
+              <a:rPr lang="en-US"/>
               <a:t>Click to edit Master title style</a:t>
             </a:r>
-            <a:endParaRPr lang="en-US"/>
           </a:p>
         </p:txBody>
       </p:sp>
@@ -1134,38 +1124,37 @@
           <a:p>
             <a:pPr lvl="0"/>
             <a:r>
-              <a:rPr lang="en-US" smtClean="0"/>
+              <a:rPr lang="en-US"/>
               <a:t>Click to edit Master text styles</a:t>
             </a:r>
           </a:p>
           <a:p>
             <a:pPr lvl="1"/>
             <a:r>
-              <a:rPr lang="en-US" smtClean="0"/>
+              <a:rPr lang="en-US"/>
               <a:t>Second level</a:t>
             </a:r>
           </a:p>
           <a:p>
             <a:pPr lvl="2"/>
             <a:r>
-              <a:rPr lang="en-US" smtClean="0"/>
+              <a:rPr lang="en-US"/>
               <a:t>Third level</a:t>
             </a:r>
           </a:p>
           <a:p>
             <a:pPr lvl="3"/>
             <a:r>
-              <a:rPr lang="en-US" smtClean="0"/>
+              <a:rPr lang="en-US"/>
               <a:t>Fourth level</a:t>
             </a:r>
           </a:p>
           <a:p>
             <a:pPr lvl="4"/>
             <a:r>
-              <a:rPr lang="en-US" smtClean="0"/>
+              <a:rPr lang="en-US"/>
               <a:t>Fifth level</a:t>
             </a:r>
-            <a:endParaRPr lang="en-US"/>
           </a:p>
         </p:txBody>
       </p:sp>
@@ -1191,38 +1180,37 @@
           <a:p>
             <a:pPr lvl="0"/>
             <a:r>
-              <a:rPr lang="en-US" smtClean="0"/>
+              <a:rPr lang="en-US"/>
               <a:t>Click to edit Master text styles</a:t>
             </a:r>
           </a:p>
           <a:p>
             <a:pPr lvl="1"/>
             <a:r>
-              <a:rPr lang="en-US" smtClean="0"/>
+              <a:rPr lang="en-US"/>
               <a:t>Second level</a:t>
             </a:r>
           </a:p>
           <a:p>
             <a:pPr lvl="2"/>
             <a:r>
-              <a:rPr lang="en-US" smtClean="0"/>
+              <a:rPr lang="en-US"/>
               <a:t>Third level</a:t>
             </a:r>
           </a:p>
           <a:p>
             <a:pPr lvl="3"/>
             <a:r>
-              <a:rPr lang="en-US" smtClean="0"/>
+              <a:rPr lang="en-US"/>
               <a:t>Fourth level</a:t>
             </a:r>
           </a:p>
           <a:p>
             <a:pPr lvl="4"/>
             <a:r>
-              <a:rPr lang="en-US" smtClean="0"/>
+              <a:rPr lang="en-US"/>
               <a:t>Fifth level</a:t>
             </a:r>
-            <a:endParaRPr lang="en-US"/>
           </a:p>
         </p:txBody>
       </p:sp>
@@ -1342,10 +1330,9 @@
           <a:lstStyle/>
           <a:p>
             <a:r>
-              <a:rPr lang="en-US" smtClean="0"/>
+              <a:rPr lang="en-US"/>
               <a:t>Click to edit Master title style</a:t>
             </a:r>
-            <a:endParaRPr lang="en-US"/>
           </a:p>
         </p:txBody>
       </p:sp>
@@ -1408,7 +1395,7 @@
           <a:p>
             <a:pPr lvl="0"/>
             <a:r>
-              <a:rPr lang="en-US" smtClean="0"/>
+              <a:rPr lang="en-US"/>
               <a:t>Click to edit Master text styles</a:t>
             </a:r>
           </a:p>
@@ -1436,38 +1423,37 @@
           <a:p>
             <a:pPr lvl="0"/>
             <a:r>
-              <a:rPr lang="en-US" smtClean="0"/>
+              <a:rPr lang="en-US"/>
               <a:t>Click to edit Master text styles</a:t>
             </a:r>
           </a:p>
           <a:p>
             <a:pPr lvl="1"/>
             <a:r>
-              <a:rPr lang="en-US" smtClean="0"/>
+              <a:rPr lang="en-US"/>
               <a:t>Second level</a:t>
             </a:r>
           </a:p>
           <a:p>
             <a:pPr lvl="2"/>
             <a:r>
-              <a:rPr lang="en-US" smtClean="0"/>
+              <a:rPr lang="en-US"/>
               <a:t>Third level</a:t>
             </a:r>
           </a:p>
           <a:p>
             <a:pPr lvl="3"/>
             <a:r>
-              <a:rPr lang="en-US" smtClean="0"/>
+              <a:rPr lang="en-US"/>
               <a:t>Fourth level</a:t>
             </a:r>
           </a:p>
           <a:p>
             <a:pPr lvl="4"/>
             <a:r>
-              <a:rPr lang="en-US" smtClean="0"/>
+              <a:rPr lang="en-US"/>
               <a:t>Fifth level</a:t>
             </a:r>
-            <a:endParaRPr lang="en-US"/>
           </a:p>
         </p:txBody>
       </p:sp>
@@ -1530,7 +1516,7 @@
           <a:p>
             <a:pPr lvl="0"/>
             <a:r>
-              <a:rPr lang="en-US" smtClean="0"/>
+              <a:rPr lang="en-US"/>
               <a:t>Click to edit Master text styles</a:t>
             </a:r>
           </a:p>
@@ -1558,38 +1544,37 @@
           <a:p>
             <a:pPr lvl="0"/>
             <a:r>
-              <a:rPr lang="en-US" smtClean="0"/>
+              <a:rPr lang="en-US"/>
               <a:t>Click to edit Master text styles</a:t>
             </a:r>
           </a:p>
           <a:p>
             <a:pPr lvl="1"/>
             <a:r>
-              <a:rPr lang="en-US" smtClean="0"/>
+              <a:rPr lang="en-US"/>
               <a:t>Second level</a:t>
             </a:r>
           </a:p>
           <a:p>
             <a:pPr lvl="2"/>
             <a:r>
-              <a:rPr lang="en-US" smtClean="0"/>
+              <a:rPr lang="en-US"/>
               <a:t>Third level</a:t>
             </a:r>
           </a:p>
           <a:p>
             <a:pPr lvl="3"/>
             <a:r>
-              <a:rPr lang="en-US" smtClean="0"/>
+              <a:rPr lang="en-US"/>
               <a:t>Fourth level</a:t>
             </a:r>
           </a:p>
           <a:p>
             <a:pPr lvl="4"/>
             <a:r>
-              <a:rPr lang="en-US" smtClean="0"/>
+              <a:rPr lang="en-US"/>
               <a:t>Fifth level</a:t>
             </a:r>
-            <a:endParaRPr lang="en-US"/>
           </a:p>
         </p:txBody>
       </p:sp>
@@ -1704,10 +1689,9 @@
           <a:lstStyle/>
           <a:p>
             <a:r>
-              <a:rPr lang="en-US" smtClean="0"/>
+              <a:rPr lang="en-US"/>
               <a:t>Click to edit Master title style</a:t>
             </a:r>
-            <a:endParaRPr lang="en-US"/>
           </a:p>
         </p:txBody>
       </p:sp>
@@ -1926,10 +1910,9 @@
           </a:lstStyle>
           <a:p>
             <a:r>
-              <a:rPr lang="en-US" smtClean="0"/>
+              <a:rPr lang="en-US"/>
               <a:t>Click to edit Master title style</a:t>
             </a:r>
-            <a:endParaRPr lang="en-US"/>
           </a:p>
         </p:txBody>
       </p:sp>
@@ -1983,38 +1966,37 @@
           <a:p>
             <a:pPr lvl="0"/>
             <a:r>
-              <a:rPr lang="en-US" smtClean="0"/>
+              <a:rPr lang="en-US"/>
               <a:t>Click to edit Master text styles</a:t>
             </a:r>
           </a:p>
           <a:p>
             <a:pPr lvl="1"/>
             <a:r>
-              <a:rPr lang="en-US" smtClean="0"/>
+              <a:rPr lang="en-US"/>
               <a:t>Second level</a:t>
             </a:r>
           </a:p>
           <a:p>
             <a:pPr lvl="2"/>
             <a:r>
-              <a:rPr lang="en-US" smtClean="0"/>
+              <a:rPr lang="en-US"/>
               <a:t>Third level</a:t>
             </a:r>
           </a:p>
           <a:p>
             <a:pPr lvl="3"/>
             <a:r>
-              <a:rPr lang="en-US" smtClean="0"/>
+              <a:rPr lang="en-US"/>
               <a:t>Fourth level</a:t>
             </a:r>
           </a:p>
           <a:p>
             <a:pPr lvl="4"/>
             <a:r>
-              <a:rPr lang="en-US" smtClean="0"/>
+              <a:rPr lang="en-US"/>
               <a:t>Fifth level</a:t>
             </a:r>
-            <a:endParaRPr lang="en-US"/>
           </a:p>
         </p:txBody>
       </p:sp>
@@ -2077,7 +2059,7 @@
           <a:p>
             <a:pPr lvl="0"/>
             <a:r>
-              <a:rPr lang="en-US" smtClean="0"/>
+              <a:rPr lang="en-US"/>
               <a:t>Click to edit Master text styles</a:t>
             </a:r>
           </a:p>
@@ -2203,10 +2185,9 @@
           </a:lstStyle>
           <a:p>
             <a:r>
-              <a:rPr lang="en-US" smtClean="0"/>
+              <a:rPr lang="en-US"/>
               <a:t>Click to edit Master title style</a:t>
             </a:r>
-            <a:endParaRPr lang="en-US"/>
           </a:p>
         </p:txBody>
       </p:sp>
@@ -2330,7 +2311,7 @@
           <a:p>
             <a:pPr lvl="0"/>
             <a:r>
-              <a:rPr lang="en-US" smtClean="0"/>
+              <a:rPr lang="en-US"/>
               <a:t>Click to edit Master text styles</a:t>
             </a:r>
           </a:p>
@@ -2462,10 +2443,9 @@
           <a:lstStyle/>
           <a:p>
             <a:r>
-              <a:rPr lang="en-US" smtClean="0"/>
+              <a:rPr lang="en-US"/>
               <a:t>Click to edit Master title style</a:t>
             </a:r>
-            <a:endParaRPr lang="en-US"/>
           </a:p>
         </p:txBody>
       </p:sp>
@@ -2496,38 +2476,37 @@
           <a:p>
             <a:pPr lvl="0"/>
             <a:r>
-              <a:rPr lang="en-US" smtClean="0"/>
+              <a:rPr lang="en-US"/>
               <a:t>Click to edit Master text styles</a:t>
             </a:r>
           </a:p>
           <a:p>
             <a:pPr lvl="1"/>
             <a:r>
-              <a:rPr lang="en-US" smtClean="0"/>
+              <a:rPr lang="en-US"/>
               <a:t>Second level</a:t>
             </a:r>
           </a:p>
           <a:p>
             <a:pPr lvl="2"/>
             <a:r>
-              <a:rPr lang="en-US" smtClean="0"/>
+              <a:rPr lang="en-US"/>
               <a:t>Third level</a:t>
             </a:r>
           </a:p>
           <a:p>
             <a:pPr lvl="3"/>
             <a:r>
-              <a:rPr lang="en-US" smtClean="0"/>
+              <a:rPr lang="en-US"/>
               <a:t>Fourth level</a:t>
             </a:r>
           </a:p>
           <a:p>
             <a:pPr lvl="4"/>
             <a:r>
-              <a:rPr lang="en-US" smtClean="0"/>
+              <a:rPr lang="en-US"/>
               <a:t>Fifth level</a:t>
             </a:r>
-            <a:endParaRPr lang="en-US"/>
           </a:p>
         </p:txBody>
       </p:sp>
@@ -3320,10 +3299,9 @@
           <a:lstStyle/>
           <a:p>
             <a:r>
-              <a:rPr lang="en-US" sz="2400" b="1" dirty="0" smtClean="0"/>
+              <a:rPr lang="en-US" sz="2400" b="1" dirty="0"/>
               <a:t>Passing</a:t>
             </a:r>
-            <a:endParaRPr lang="en-US" sz="2400" b="1" dirty="0"/>
           </a:p>
         </p:txBody>
       </p:sp>
@@ -3366,13 +3344,6 @@
   <p:clrMapOvr>
     <a:masterClrMapping/>
   </p:clrMapOvr>
-  <p:timing>
-    <p:tnLst>
-      <p:par>
-        <p:cTn id="1" dur="indefinite" restart="never" nodeType="tmRoot"/>
-      </p:par>
-    </p:tnLst>
-  </p:timing>
 </p:sld>
 </file>
 
@@ -3418,8 +3389,20 @@
                 <a:tableStyleId>{8EC20E35-A176-4012-BC5E-935CFFF8708E}</a:tableStyleId>
               </a:tblPr>
               <a:tblGrid>
-                <a:gridCol w="893759"/>
-                <a:gridCol w="4962587"/>
+                <a:gridCol w="893759">
+                  <a:extLst>
+                    <a:ext uri="{9D8B030D-6E8A-4147-A177-3AD203B41FA5}">
+                      <a16:colId xmlns:a16="http://schemas.microsoft.com/office/drawing/2014/main" val="20000"/>
+                    </a:ext>
+                  </a:extLst>
+                </a:gridCol>
+                <a:gridCol w="4962587">
+                  <a:extLst>
+                    <a:ext uri="{9D8B030D-6E8A-4147-A177-3AD203B41FA5}">
+                      <a16:colId xmlns:a16="http://schemas.microsoft.com/office/drawing/2014/main" val="20001"/>
+                    </a:ext>
+                  </a:extLst>
+                </a:gridCol>
               </a:tblGrid>
               <a:tr h="411768">
                 <a:tc>
@@ -3428,10 +3411,9 @@
                     <a:lstStyle/>
                     <a:p>
                       <a:r>
-                        <a:rPr lang="en-US" sz="1050" b="1" dirty="0" smtClean="0"/>
+                        <a:rPr lang="en-US" sz="1050" b="1" dirty="0"/>
                         <a:t>Tournament</a:t>
                       </a:r>
-                      <a:endParaRPr lang="en-US" sz="1050" b="1" dirty="0"/>
                     </a:p>
                   </a:txBody>
                   <a:tcPr>
@@ -3446,7 +3428,7 @@
                     <a:lstStyle/>
                     <a:p>
                       <a:r>
-                        <a:rPr lang="en-US" sz="900" dirty="0" smtClean="0">
+                        <a:rPr lang="en-US" sz="900" dirty="0">
                           <a:solidFill>
                             <a:schemeClr val="tx1"/>
                           </a:solidFill>
@@ -3454,7 +3436,7 @@
                         <a:t>A series of games to </a:t>
                       </a:r>
                       <a:r>
-                        <a:rPr lang="en-US" sz="900" b="1" dirty="0" smtClean="0">
+                        <a:rPr lang="en-US" sz="900" b="1" dirty="0">
                           <a:solidFill>
                             <a:schemeClr val="tx1"/>
                           </a:solidFill>
@@ -3462,7 +3444,7 @@
                         <a:t>measure</a:t>
                       </a:r>
                       <a:r>
-                        <a:rPr lang="en-US" sz="900" dirty="0" smtClean="0">
+                        <a:rPr lang="en-US" sz="900" dirty="0">
                           <a:solidFill>
                             <a:schemeClr val="tx1"/>
                           </a:solidFill>
@@ -3470,7 +3452,7 @@
                         <a:t> </a:t>
                       </a:r>
                       <a:r>
-                        <a:rPr lang="en-US" sz="900" b="1" dirty="0" smtClean="0">
+                        <a:rPr lang="en-US" sz="900" b="1" dirty="0">
                           <a:solidFill>
                             <a:schemeClr val="tx1"/>
                           </a:solidFill>
@@ -3478,26 +3460,13 @@
                         <a:t>rank</a:t>
                       </a:r>
                       <a:r>
-                        <a:rPr lang="en-US" sz="900" dirty="0" smtClean="0">
+                        <a:rPr lang="en-US" sz="900" dirty="0">
                           <a:solidFill>
                             <a:schemeClr val="tx1"/>
                           </a:solidFill>
                         </a:rPr>
-                        <a:t> of </a:t>
+                        <a:t> of teams</a:t>
                       </a:r>
-                      <a:r>
-                        <a:rPr lang="en-US" sz="900" dirty="0" smtClean="0">
-                          <a:solidFill>
-                            <a:schemeClr val="tx1"/>
-                          </a:solidFill>
-                        </a:rPr>
-                        <a:t>teams</a:t>
-                      </a:r>
-                      <a:endParaRPr lang="en-US" sz="900" dirty="0">
-                        <a:solidFill>
-                          <a:schemeClr val="tx1"/>
-                        </a:solidFill>
-                      </a:endParaRPr>
                     </a:p>
                   </a:txBody>
                   <a:tcPr>
@@ -3506,6 +3475,11 @@
                     </a:solidFill>
                   </a:tcPr>
                 </a:tc>
+                <a:extLst>
+                  <a:ext uri="{0D108BD9-81ED-4DB2-BD59-A6C34878D82A}">
+                    <a16:rowId xmlns:a16="http://schemas.microsoft.com/office/drawing/2014/main" val="10000"/>
+                  </a:ext>
+                </a:extLst>
               </a:tr>
               <a:tr h="411768">
                 <a:tc>
@@ -3514,10 +3488,9 @@
                     <a:lstStyle/>
                     <a:p>
                       <a:r>
-                        <a:rPr lang="en-US" sz="1050" b="1" dirty="0" smtClean="0"/>
+                        <a:rPr lang="en-US" sz="1050" b="1" dirty="0"/>
                         <a:t>Teamwork</a:t>
                       </a:r>
-                      <a:endParaRPr lang="en-US" sz="1050" b="1" dirty="0"/>
                     </a:p>
                   </a:txBody>
                   <a:tcPr>
@@ -3532,23 +3505,15 @@
                     <a:lstStyle/>
                     <a:p>
                       <a:r>
-                        <a:rPr lang="en-US" sz="900" dirty="0" smtClean="0">
+                        <a:rPr lang="en-US" sz="900" dirty="0">
                           <a:solidFill>
                             <a:schemeClr val="tx1"/>
                           </a:solidFill>
                         </a:rPr>
-                        <a:t>Group of interdependent individuals </a:t>
+                        <a:t>Group of interdependent individuals working </a:t>
                       </a:r>
                       <a:r>
-                        <a:rPr lang="en-US" sz="900" dirty="0" smtClean="0">
-                          <a:solidFill>
-                            <a:schemeClr val="tx1"/>
-                          </a:solidFill>
-                        </a:rPr>
-                        <a:t>working </a:t>
-                      </a:r>
-                      <a:r>
-                        <a:rPr lang="en-US" sz="900" b="1" dirty="0" smtClean="0">
+                        <a:rPr lang="en-US" sz="900" b="1" dirty="0">
                           <a:solidFill>
                             <a:schemeClr val="tx1"/>
                           </a:solidFill>
@@ -3556,7 +3521,7 @@
                         <a:t>together</a:t>
                       </a:r>
                       <a:r>
-                        <a:rPr lang="en-US" sz="900" dirty="0" smtClean="0">
+                        <a:rPr lang="en-US" sz="900" dirty="0">
                           <a:solidFill>
                             <a:schemeClr val="tx1"/>
                           </a:solidFill>
@@ -3564,18 +3529,13 @@
                         <a:t> towards a </a:t>
                       </a:r>
                       <a:r>
-                        <a:rPr lang="en-US" sz="900" b="1" dirty="0" smtClean="0">
+                        <a:rPr lang="en-US" sz="900" b="1" dirty="0">
                           <a:solidFill>
                             <a:schemeClr val="tx1"/>
                           </a:solidFill>
                         </a:rPr>
                         <a:t>common goal</a:t>
                       </a:r>
-                      <a:endParaRPr lang="en-US" sz="900" b="1" dirty="0">
-                        <a:solidFill>
-                          <a:schemeClr val="tx1"/>
-                        </a:solidFill>
-                      </a:endParaRPr>
                     </a:p>
                   </a:txBody>
                   <a:tcPr marR="1920240">
@@ -3584,6 +3544,11 @@
                     </a:solidFill>
                   </a:tcPr>
                 </a:tc>
+                <a:extLst>
+                  <a:ext uri="{0D108BD9-81ED-4DB2-BD59-A6C34878D82A}">
+                    <a16:rowId xmlns:a16="http://schemas.microsoft.com/office/drawing/2014/main" val="10001"/>
+                  </a:ext>
+                </a:extLst>
               </a:tr>
               <a:tr h="411768">
                 <a:tc>
@@ -3592,10 +3557,9 @@
                     <a:lstStyle/>
                     <a:p>
                       <a:r>
-                        <a:rPr lang="en-US" sz="1050" b="1" dirty="0" smtClean="0"/>
+                        <a:rPr lang="en-US" sz="1050" b="1" dirty="0"/>
                         <a:t>Win</a:t>
                       </a:r>
-                      <a:endParaRPr lang="en-US" sz="1050" b="1" dirty="0"/>
                     </a:p>
                   </a:txBody>
                   <a:tcPr>
@@ -3610,7 +3574,7 @@
                     <a:lstStyle/>
                     <a:p>
                       <a:r>
-                        <a:rPr lang="en-US" sz="900" b="1" dirty="0" smtClean="0">
+                        <a:rPr lang="en-US" sz="900" b="1" dirty="0">
                           <a:solidFill>
                             <a:schemeClr val="tx1"/>
                           </a:solidFill>
@@ -3618,7 +3582,7 @@
                         <a:t>Leading</a:t>
                       </a:r>
                       <a:r>
-                        <a:rPr lang="en-US" sz="900" dirty="0" smtClean="0">
+                        <a:rPr lang="en-US" sz="900" dirty="0">
                           <a:solidFill>
                             <a:schemeClr val="tx1"/>
                           </a:solidFill>
@@ -3626,7 +3590,7 @@
                         <a:t> </a:t>
                       </a:r>
                       <a:r>
-                        <a:rPr lang="en-US" sz="900" kern="1200" dirty="0" smtClean="0">
+                        <a:rPr lang="en-US" sz="900" kern="1200" dirty="0">
                           <a:solidFill>
                             <a:schemeClr val="tx1"/>
                           </a:solidFill>
@@ -3637,7 +3601,7 @@
                         <a:t>at end </a:t>
                       </a:r>
                       <a:r>
-                        <a:rPr lang="en-US" sz="900" dirty="0" smtClean="0">
+                        <a:rPr lang="en-US" sz="900" dirty="0">
                           <a:solidFill>
                             <a:schemeClr val="tx1"/>
                           </a:solidFill>
@@ -3645,7 +3609,7 @@
                         <a:t>of </a:t>
                       </a:r>
                       <a:r>
-                        <a:rPr lang="en-US" sz="900" b="1" dirty="0" smtClean="0">
+                        <a:rPr lang="en-US" sz="900" b="1" dirty="0">
                           <a:solidFill>
                             <a:schemeClr val="tx1"/>
                           </a:solidFill>
@@ -3653,18 +3617,13 @@
                         <a:t>final whistle </a:t>
                       </a:r>
                       <a:r>
-                        <a:rPr lang="en-US" sz="900" dirty="0" smtClean="0">
+                        <a:rPr lang="en-US" sz="900" dirty="0">
                           <a:solidFill>
                             <a:schemeClr val="tx1"/>
                           </a:solidFill>
                         </a:rPr>
                         <a:t>blow</a:t>
                       </a:r>
-                      <a:endParaRPr lang="en-US" sz="900" dirty="0">
-                        <a:solidFill>
-                          <a:schemeClr val="tx1"/>
-                        </a:solidFill>
-                      </a:endParaRPr>
                     </a:p>
                   </a:txBody>
                   <a:tcPr>
@@ -3673,6 +3632,11 @@
                     </a:solidFill>
                   </a:tcPr>
                 </a:tc>
+                <a:extLst>
+                  <a:ext uri="{0D108BD9-81ED-4DB2-BD59-A6C34878D82A}">
+                    <a16:rowId xmlns:a16="http://schemas.microsoft.com/office/drawing/2014/main" val="10002"/>
+                  </a:ext>
+                </a:extLst>
               </a:tr>
               <a:tr h="411768">
                 <a:tc>
@@ -3681,10 +3645,9 @@
                     <a:lstStyle/>
                     <a:p>
                       <a:r>
-                        <a:rPr lang="en-US" sz="1050" b="1" dirty="0" smtClean="0"/>
+                        <a:rPr lang="en-US" sz="1050" b="1" dirty="0"/>
                         <a:t>Leading</a:t>
                       </a:r>
-                      <a:endParaRPr lang="en-US" sz="1050" b="1" dirty="0"/>
                     </a:p>
                   </a:txBody>
                   <a:tcPr>
@@ -3699,7 +3662,7 @@
                     <a:lstStyle/>
                     <a:p>
                       <a:r>
-                        <a:rPr lang="en-US" sz="900" b="1" dirty="0" smtClean="0">
+                        <a:rPr lang="en-US" sz="900" b="1" dirty="0">
                           <a:solidFill>
                             <a:schemeClr val="tx1"/>
                           </a:solidFill>
@@ -3707,7 +3670,7 @@
                         <a:t>More</a:t>
                       </a:r>
                       <a:r>
-                        <a:rPr lang="en-US" sz="900" dirty="0" smtClean="0">
+                        <a:rPr lang="en-US" sz="900" dirty="0">
                           <a:solidFill>
                             <a:schemeClr val="tx1"/>
                           </a:solidFill>
@@ -3715,20 +3678,12 @@
                         <a:t> points than opponent</a:t>
                       </a:r>
                       <a:r>
-                        <a:rPr lang="en-US" sz="900" baseline="0" dirty="0" smtClean="0">
+                        <a:rPr lang="en-US" sz="900" baseline="0" dirty="0">
                           <a:solidFill>
                             <a:schemeClr val="tx1"/>
                           </a:solidFill>
                         </a:rPr>
-                        <a:t> </a:t>
-                      </a:r>
-                      <a:r>
-                        <a:rPr lang="en-US" sz="900" baseline="0" dirty="0" smtClean="0">
-                          <a:solidFill>
-                            <a:schemeClr val="tx1"/>
-                          </a:solidFill>
-                        </a:rPr>
-                        <a:t>while game is still at play</a:t>
+                        <a:t> while game is still at play</a:t>
                       </a:r>
                       <a:endParaRPr lang="en-US" sz="900" dirty="0">
                         <a:solidFill>
@@ -3743,6 +3698,11 @@
                     </a:solidFill>
                   </a:tcPr>
                 </a:tc>
+                <a:extLst>
+                  <a:ext uri="{0D108BD9-81ED-4DB2-BD59-A6C34878D82A}">
+                    <a16:rowId xmlns:a16="http://schemas.microsoft.com/office/drawing/2014/main" val="10003"/>
+                  </a:ext>
+                </a:extLst>
               </a:tr>
               <a:tr h="411768">
                 <a:tc>
@@ -3751,10 +3711,9 @@
                     <a:lstStyle/>
                     <a:p>
                       <a:r>
-                        <a:rPr lang="en-US" sz="1050" b="1" dirty="0" smtClean="0"/>
+                        <a:rPr lang="en-US" sz="1050" b="1" dirty="0"/>
                         <a:t>Game</a:t>
                       </a:r>
-                      <a:endParaRPr lang="en-US" sz="1050" b="1" dirty="0"/>
                     </a:p>
                   </a:txBody>
                   <a:tcPr>
@@ -3769,7 +3728,7 @@
                     <a:lstStyle/>
                     <a:p>
                       <a:r>
-                        <a:rPr lang="en-US" sz="900" b="1" baseline="0" dirty="0" smtClean="0">
+                        <a:rPr lang="en-US" sz="900" b="1" baseline="0" dirty="0">
                           <a:solidFill>
                             <a:schemeClr val="tx1"/>
                           </a:solidFill>
@@ -3777,7 +3736,7 @@
                         <a:t>Start</a:t>
                       </a:r>
                       <a:r>
-                        <a:rPr lang="en-US" sz="900" baseline="0" dirty="0" smtClean="0">
+                        <a:rPr lang="en-US" sz="900" baseline="0" dirty="0">
                           <a:solidFill>
                             <a:schemeClr val="tx1"/>
                           </a:solidFill>
@@ -3785,7 +3744,7 @@
                         <a:t> of whistle …. </a:t>
                       </a:r>
                       <a:r>
-                        <a:rPr lang="en-US" sz="900" dirty="0" smtClean="0">
+                        <a:rPr lang="en-US" sz="900" dirty="0">
                           <a:solidFill>
                             <a:schemeClr val="tx1"/>
                           </a:solidFill>
@@ -3793,7 +3752,7 @@
                         <a:t>Period</a:t>
                       </a:r>
                       <a:r>
-                        <a:rPr lang="en-US" sz="900" baseline="0" dirty="0" smtClean="0">
+                        <a:rPr lang="en-US" sz="900" baseline="0" dirty="0">
                           <a:solidFill>
                             <a:schemeClr val="tx1"/>
                           </a:solidFill>
@@ -3801,7 +3760,7 @@
                         <a:t> of </a:t>
                       </a:r>
                       <a:r>
-                        <a:rPr lang="en-US" sz="900" b="1" baseline="0" dirty="0" smtClean="0">
+                        <a:rPr lang="en-US" sz="900" b="1" baseline="0" dirty="0">
                           <a:solidFill>
                             <a:schemeClr val="tx1"/>
                           </a:solidFill>
@@ -3809,7 +3768,7 @@
                         <a:t>play</a:t>
                       </a:r>
                       <a:r>
-                        <a:rPr lang="en-US" sz="900" baseline="0" dirty="0" smtClean="0">
+                        <a:rPr lang="en-US" sz="900" baseline="0" dirty="0">
                           <a:solidFill>
                             <a:schemeClr val="tx1"/>
                           </a:solidFill>
@@ -3817,7 +3776,7 @@
                         <a:t> …. </a:t>
                       </a:r>
                       <a:r>
-                        <a:rPr lang="en-US" sz="900" b="1" baseline="0" dirty="0" smtClean="0">
+                        <a:rPr lang="en-US" sz="900" b="1" baseline="0" dirty="0">
                           <a:solidFill>
                             <a:schemeClr val="tx1"/>
                           </a:solidFill>
@@ -3827,7 +3786,7 @@
                     </a:p>
                     <a:p>
                       <a:r>
-                        <a:rPr lang="en-US" sz="900" b="1" baseline="0" dirty="0" smtClean="0">
+                        <a:rPr lang="en-US" sz="900" b="1" baseline="0" dirty="0">
                           <a:solidFill>
                             <a:schemeClr val="tx1"/>
                           </a:solidFill>
@@ -3835,7 +3794,7 @@
                         <a:t>whistle</a:t>
                       </a:r>
                       <a:r>
-                        <a:rPr lang="en-US" sz="900" baseline="0" dirty="0" smtClean="0">
+                        <a:rPr lang="en-US" sz="900" baseline="0" dirty="0">
                           <a:solidFill>
                             <a:schemeClr val="tx1"/>
                           </a:solidFill>
@@ -3855,6 +3814,11 @@
                     </a:solidFill>
                   </a:tcPr>
                 </a:tc>
+                <a:extLst>
+                  <a:ext uri="{0D108BD9-81ED-4DB2-BD59-A6C34878D82A}">
+                    <a16:rowId xmlns:a16="http://schemas.microsoft.com/office/drawing/2014/main" val="10004"/>
+                  </a:ext>
+                </a:extLst>
               </a:tr>
               <a:tr h="411768">
                 <a:tc>
@@ -3863,10 +3827,9 @@
                     <a:lstStyle/>
                     <a:p>
                       <a:r>
-                        <a:rPr lang="en-US" sz="1050" b="1" dirty="0" smtClean="0"/>
+                        <a:rPr lang="en-US" sz="1050" b="1" dirty="0"/>
                         <a:t>Routine</a:t>
                       </a:r>
-                      <a:endParaRPr lang="en-US" sz="1050" b="1" dirty="0"/>
                     </a:p>
                   </a:txBody>
                   <a:tcPr>
@@ -3881,7 +3844,7 @@
                     <a:lstStyle/>
                     <a:p>
                       <a:r>
-                        <a:rPr lang="en-US" sz="900" dirty="0" smtClean="0">
+                        <a:rPr lang="en-US" sz="900" dirty="0">
                           <a:solidFill>
                             <a:schemeClr val="tx1"/>
                           </a:solidFill>
@@ -3889,7 +3852,7 @@
                         <a:t>A </a:t>
                       </a:r>
                       <a:r>
-                        <a:rPr lang="en-US" sz="900" b="1" dirty="0" smtClean="0">
+                        <a:rPr lang="en-US" sz="900" b="1" dirty="0">
                           <a:solidFill>
                             <a:schemeClr val="tx1"/>
                           </a:solidFill>
@@ -3897,18 +3860,13 @@
                         <a:t>sequence</a:t>
                       </a:r>
                       <a:r>
-                        <a:rPr lang="en-US" sz="900" dirty="0" smtClean="0">
+                        <a:rPr lang="en-US" sz="900" dirty="0">
                           <a:solidFill>
                             <a:schemeClr val="tx1"/>
                           </a:solidFill>
                         </a:rPr>
                         <a:t> of actions regularly followed.</a:t>
                       </a:r>
-                      <a:endParaRPr lang="en-US" sz="900" dirty="0">
-                        <a:solidFill>
-                          <a:schemeClr val="tx1"/>
-                        </a:solidFill>
-                      </a:endParaRPr>
                     </a:p>
                   </a:txBody>
                   <a:tcPr>
@@ -3917,6 +3875,11 @@
                     </a:solidFill>
                   </a:tcPr>
                 </a:tc>
+                <a:extLst>
+                  <a:ext uri="{0D108BD9-81ED-4DB2-BD59-A6C34878D82A}">
+                    <a16:rowId xmlns:a16="http://schemas.microsoft.com/office/drawing/2014/main" val="10005"/>
+                  </a:ext>
+                </a:extLst>
               </a:tr>
               <a:tr h="411768">
                 <a:tc>
@@ -3925,10 +3888,9 @@
                     <a:lstStyle/>
                     <a:p>
                       <a:r>
-                        <a:rPr lang="en-US" sz="1050" b="1" dirty="0" smtClean="0"/>
+                        <a:rPr lang="en-US" sz="1050" b="1" dirty="0"/>
                         <a:t>Tactics</a:t>
                       </a:r>
-                      <a:endParaRPr lang="en-US" sz="1050" b="1" dirty="0"/>
                     </a:p>
                   </a:txBody>
                   <a:tcPr>
@@ -3943,7 +3905,7 @@
                     <a:lstStyle/>
                     <a:p>
                       <a:r>
-                        <a:rPr lang="en-US" sz="900" dirty="0" smtClean="0">
+                        <a:rPr lang="en-US" sz="900" dirty="0">
                           <a:solidFill>
                             <a:schemeClr val="tx1"/>
                           </a:solidFill>
@@ -3951,7 +3913,7 @@
                         <a:t>Action</a:t>
                       </a:r>
                       <a:r>
-                        <a:rPr lang="en-US" sz="900" baseline="0" dirty="0" smtClean="0">
+                        <a:rPr lang="en-US" sz="900" baseline="0" dirty="0">
                           <a:solidFill>
                             <a:schemeClr val="tx1"/>
                           </a:solidFill>
@@ -3959,7 +3921,7 @@
                         <a:t> </a:t>
                       </a:r>
                       <a:r>
-                        <a:rPr lang="en-US" sz="900" dirty="0" smtClean="0">
+                        <a:rPr lang="en-US" sz="900" dirty="0">
                           <a:solidFill>
                             <a:schemeClr val="tx1"/>
                           </a:solidFill>
@@ -3967,7 +3929,7 @@
                         <a:t>or strategy carefully planned to </a:t>
                       </a:r>
                       <a:r>
-                        <a:rPr lang="en-US" sz="900" b="1" dirty="0" smtClean="0">
+                        <a:rPr lang="en-US" sz="900" b="1" dirty="0">
                           <a:solidFill>
                             <a:schemeClr val="tx1"/>
                           </a:solidFill>
@@ -3975,18 +3937,13 @@
                         <a:t>achieve a specific end</a:t>
                       </a:r>
                       <a:r>
-                        <a:rPr lang="en-US" sz="900" dirty="0" smtClean="0">
+                        <a:rPr lang="en-US" sz="900" dirty="0">
                           <a:solidFill>
                             <a:schemeClr val="tx1"/>
                           </a:solidFill>
                         </a:rPr>
                         <a:t>.</a:t>
                       </a:r>
-                      <a:endParaRPr lang="en-US" sz="900" dirty="0">
-                        <a:solidFill>
-                          <a:schemeClr val="tx1"/>
-                        </a:solidFill>
-                      </a:endParaRPr>
                     </a:p>
                   </a:txBody>
                   <a:tcPr marR="3108960">
@@ -3995,6 +3952,11 @@
                     </a:solidFill>
                   </a:tcPr>
                 </a:tc>
+                <a:extLst>
+                  <a:ext uri="{0D108BD9-81ED-4DB2-BD59-A6C34878D82A}">
+                    <a16:rowId xmlns:a16="http://schemas.microsoft.com/office/drawing/2014/main" val="10006"/>
+                  </a:ext>
+                </a:extLst>
               </a:tr>
               <a:tr h="411768">
                 <a:tc>
@@ -4025,6 +3987,11 @@
                     </a:solidFill>
                   </a:tcPr>
                 </a:tc>
+                <a:extLst>
+                  <a:ext uri="{0D108BD9-81ED-4DB2-BD59-A6C34878D82A}">
+                    <a16:rowId xmlns:a16="http://schemas.microsoft.com/office/drawing/2014/main" val="10007"/>
+                  </a:ext>
+                </a:extLst>
               </a:tr>
             </a:tbl>
           </a:graphicData>
@@ -4108,8 +4075,20 @@
                 <a:tableStyleId>{2A488322-F2BA-4B5B-9748-0D474271808F}</a:tableStyleId>
               </a:tblPr>
               <a:tblGrid>
-                <a:gridCol w="3828619"/>
-                <a:gridCol w="789935"/>
+                <a:gridCol w="3828619">
+                  <a:extLst>
+                    <a:ext uri="{9D8B030D-6E8A-4147-A177-3AD203B41FA5}">
+                      <a16:colId xmlns:a16="http://schemas.microsoft.com/office/drawing/2014/main" val="20000"/>
+                    </a:ext>
+                  </a:extLst>
+                </a:gridCol>
+                <a:gridCol w="789935">
+                  <a:extLst>
+                    <a:ext uri="{9D8B030D-6E8A-4147-A177-3AD203B41FA5}">
+                      <a16:colId xmlns:a16="http://schemas.microsoft.com/office/drawing/2014/main" val="20001"/>
+                    </a:ext>
+                  </a:extLst>
+                </a:gridCol>
               </a:tblGrid>
               <a:tr h="325034">
                 <a:tc>
@@ -4128,14 +4107,18 @@
                     <a:lstStyle/>
                     <a:p>
                       <a:r>
-                        <a:rPr lang="en-US" sz="1000" dirty="0" smtClean="0"/>
+                        <a:rPr lang="en-US" sz="1000" dirty="0"/>
                         <a:t>Catching</a:t>
                       </a:r>
-                      <a:endParaRPr lang="en-US" sz="1000" dirty="0"/>
                     </a:p>
                   </a:txBody>
                   <a:tcPr/>
                 </a:tc>
+                <a:extLst>
+                  <a:ext uri="{0D108BD9-81ED-4DB2-BD59-A6C34878D82A}">
+                    <a16:rowId xmlns:a16="http://schemas.microsoft.com/office/drawing/2014/main" val="10000"/>
+                  </a:ext>
+                </a:extLst>
               </a:tr>
               <a:tr h="335191">
                 <a:tc>
@@ -4161,14 +4144,18 @@
                     <a:lstStyle/>
                     <a:p>
                       <a:r>
-                        <a:rPr lang="en-US" sz="1000" dirty="0" smtClean="0"/>
+                        <a:rPr lang="en-US" sz="1000" dirty="0"/>
                         <a:t>Shooting</a:t>
                       </a:r>
-                      <a:endParaRPr lang="en-US" sz="1000" dirty="0"/>
                     </a:p>
                   </a:txBody>
                   <a:tcPr/>
                 </a:tc>
+                <a:extLst>
+                  <a:ext uri="{0D108BD9-81ED-4DB2-BD59-A6C34878D82A}">
+                    <a16:rowId xmlns:a16="http://schemas.microsoft.com/office/drawing/2014/main" val="10001"/>
+                  </a:ext>
+                </a:extLst>
               </a:tr>
               <a:tr h="325034">
                 <a:tc>
@@ -4187,14 +4174,18 @@
                     <a:lstStyle/>
                     <a:p>
                       <a:r>
-                        <a:rPr lang="en-US" sz="1000" dirty="0" smtClean="0"/>
+                        <a:rPr lang="en-US" sz="1000" dirty="0"/>
                         <a:t>Passing</a:t>
                       </a:r>
-                      <a:endParaRPr lang="en-US" sz="1000" dirty="0"/>
                     </a:p>
                   </a:txBody>
                   <a:tcPr/>
                 </a:tc>
+                <a:extLst>
+                  <a:ext uri="{0D108BD9-81ED-4DB2-BD59-A6C34878D82A}">
+                    <a16:rowId xmlns:a16="http://schemas.microsoft.com/office/drawing/2014/main" val="10002"/>
+                  </a:ext>
+                </a:extLst>
               </a:tr>
               <a:tr h="325034">
                 <a:tc>
@@ -4213,14 +4204,18 @@
                     <a:lstStyle/>
                     <a:p>
                       <a:r>
-                        <a:rPr lang="en-US" sz="1000" dirty="0" smtClean="0"/>
+                        <a:rPr lang="en-US" sz="1000" dirty="0"/>
                         <a:t>Footwork</a:t>
                       </a:r>
-                      <a:endParaRPr lang="en-US" sz="1000" dirty="0"/>
                     </a:p>
                   </a:txBody>
                   <a:tcPr/>
                 </a:tc>
+                <a:extLst>
+                  <a:ext uri="{0D108BD9-81ED-4DB2-BD59-A6C34878D82A}">
+                    <a16:rowId xmlns:a16="http://schemas.microsoft.com/office/drawing/2014/main" val="10003"/>
+                  </a:ext>
+                </a:extLst>
               </a:tr>
               <a:tr h="325034">
                 <a:tc>
@@ -4239,14 +4234,18 @@
                     <a:lstStyle/>
                     <a:p>
                       <a:r>
-                        <a:rPr lang="en-US" sz="1000" dirty="0" smtClean="0"/>
+                        <a:rPr lang="en-US" sz="1000" dirty="0"/>
                         <a:t>Marking</a:t>
                       </a:r>
-                      <a:endParaRPr lang="en-US" sz="1000" dirty="0"/>
                     </a:p>
                   </a:txBody>
                   <a:tcPr/>
                 </a:tc>
+                <a:extLst>
+                  <a:ext uri="{0D108BD9-81ED-4DB2-BD59-A6C34878D82A}">
+                    <a16:rowId xmlns:a16="http://schemas.microsoft.com/office/drawing/2014/main" val="10004"/>
+                  </a:ext>
+                </a:extLst>
               </a:tr>
               <a:tr h="325034">
                 <a:tc>
@@ -4265,14 +4264,18 @@
                     <a:lstStyle/>
                     <a:p>
                       <a:r>
-                        <a:rPr lang="en-US" sz="1000" dirty="0" smtClean="0"/>
+                        <a:rPr lang="en-US" sz="1000" dirty="0"/>
                         <a:t>Dodging</a:t>
                       </a:r>
-                      <a:endParaRPr lang="en-US" sz="1000" dirty="0"/>
                     </a:p>
                   </a:txBody>
                   <a:tcPr/>
                 </a:tc>
+                <a:extLst>
+                  <a:ext uri="{0D108BD9-81ED-4DB2-BD59-A6C34878D82A}">
+                    <a16:rowId xmlns:a16="http://schemas.microsoft.com/office/drawing/2014/main" val="10005"/>
+                  </a:ext>
+                </a:extLst>
               </a:tr>
             </a:tbl>
           </a:graphicData>
@@ -4705,8 +4708,20 @@
                 <a:tableStyleId>{5C22544A-7EE6-4342-B048-85BDC9FD1C3A}</a:tableStyleId>
               </a:tblPr>
               <a:tblGrid>
-                <a:gridCol w="797974"/>
-                <a:gridCol w="797974"/>
+                <a:gridCol w="797974">
+                  <a:extLst>
+                    <a:ext uri="{9D8B030D-6E8A-4147-A177-3AD203B41FA5}">
+                      <a16:colId xmlns:a16="http://schemas.microsoft.com/office/drawing/2014/main" val="20000"/>
+                    </a:ext>
+                  </a:extLst>
+                </a:gridCol>
+                <a:gridCol w="797974">
+                  <a:extLst>
+                    <a:ext uri="{9D8B030D-6E8A-4147-A177-3AD203B41FA5}">
+                      <a16:colId xmlns:a16="http://schemas.microsoft.com/office/drawing/2014/main" val="20001"/>
+                    </a:ext>
+                  </a:extLst>
+                </a:gridCol>
               </a:tblGrid>
               <a:tr h="741293">
                 <a:tc>
@@ -4716,7 +4731,7 @@
                     <a:p>
                       <a:pPr algn="ctr"/>
                       <a:r>
-                        <a:rPr lang="en-US" sz="2400" dirty="0" smtClean="0">
+                        <a:rPr lang="en-US" sz="2400" dirty="0">
                           <a:solidFill>
                             <a:schemeClr val="bg1">
                               <a:lumMod val="85000"/>
@@ -4725,13 +4740,6 @@
                         </a:rPr>
                         <a:t>2</a:t>
                       </a:r>
-                      <a:endParaRPr lang="en-US" sz="2400" dirty="0">
-                        <a:solidFill>
-                          <a:schemeClr val="bg1">
-                            <a:lumMod val="85000"/>
-                          </a:schemeClr>
-                        </a:solidFill>
-                      </a:endParaRPr>
                     </a:p>
                   </a:txBody>
                   <a:tcPr anchor="ctr">
@@ -4749,7 +4757,7 @@
                     <a:p>
                       <a:pPr algn="ctr"/>
                       <a:r>
-                        <a:rPr lang="en-US" sz="2400" dirty="0" smtClean="0">
+                        <a:rPr lang="en-US" sz="2400" dirty="0">
                           <a:solidFill>
                             <a:schemeClr val="bg1">
                               <a:lumMod val="85000"/>
@@ -4758,13 +4766,6 @@
                         </a:rPr>
                         <a:t>3</a:t>
                       </a:r>
-                      <a:endParaRPr lang="en-US" sz="2400" dirty="0">
-                        <a:solidFill>
-                          <a:schemeClr val="bg1">
-                            <a:lumMod val="85000"/>
-                          </a:schemeClr>
-                        </a:solidFill>
-                      </a:endParaRPr>
                     </a:p>
                   </a:txBody>
                   <a:tcPr anchor="ctr">
@@ -4775,6 +4776,11 @@
                     </a:solidFill>
                   </a:tcPr>
                 </a:tc>
+                <a:extLst>
+                  <a:ext uri="{0D108BD9-81ED-4DB2-BD59-A6C34878D82A}">
+                    <a16:rowId xmlns:a16="http://schemas.microsoft.com/office/drawing/2014/main" val="10000"/>
+                  </a:ext>
+                </a:extLst>
               </a:tr>
               <a:tr h="741293">
                 <a:tc>
@@ -4784,7 +4790,7 @@
                     <a:p>
                       <a:pPr algn="ctr"/>
                       <a:r>
-                        <a:rPr lang="en-US" sz="2400" dirty="0" smtClean="0">
+                        <a:rPr lang="en-US" sz="2400" dirty="0">
                           <a:solidFill>
                             <a:schemeClr val="bg1">
                               <a:lumMod val="85000"/>
@@ -4793,13 +4799,6 @@
                         </a:rPr>
                         <a:t>1</a:t>
                       </a:r>
-                      <a:endParaRPr lang="en-US" sz="2400" dirty="0">
-                        <a:solidFill>
-                          <a:schemeClr val="bg1">
-                            <a:lumMod val="85000"/>
-                          </a:schemeClr>
-                        </a:solidFill>
-                      </a:endParaRPr>
                     </a:p>
                   </a:txBody>
                   <a:tcPr anchor="ctr">
@@ -4817,7 +4816,7 @@
                     <a:p>
                       <a:pPr algn="ctr"/>
                       <a:r>
-                        <a:rPr lang="en-US" sz="2400" dirty="0" smtClean="0">
+                        <a:rPr lang="en-US" sz="2400" dirty="0">
                           <a:solidFill>
                             <a:schemeClr val="bg1">
                               <a:lumMod val="85000"/>
@@ -4826,13 +4825,6 @@
                         </a:rPr>
                         <a:t>4</a:t>
                       </a:r>
-                      <a:endParaRPr lang="en-US" sz="2400" dirty="0">
-                        <a:solidFill>
-                          <a:schemeClr val="bg1">
-                            <a:lumMod val="85000"/>
-                          </a:schemeClr>
-                        </a:solidFill>
-                      </a:endParaRPr>
                     </a:p>
                   </a:txBody>
                   <a:tcPr anchor="ctr">
@@ -4843,6 +4835,11 @@
                     </a:solidFill>
                   </a:tcPr>
                 </a:tc>
+                <a:extLst>
+                  <a:ext uri="{0D108BD9-81ED-4DB2-BD59-A6C34878D82A}">
+                    <a16:rowId xmlns:a16="http://schemas.microsoft.com/office/drawing/2014/main" val="10001"/>
+                  </a:ext>
+                </a:extLst>
               </a:tr>
             </a:tbl>
           </a:graphicData>
@@ -4924,7 +4921,7 @@
           <a:p>
             <a:pPr algn="ctr"/>
             <a:r>
-              <a:rPr lang="en-US" sz="1400" dirty="0" smtClean="0"/>
+              <a:rPr lang="en-US" sz="1400" dirty="0"/>
               <a:t>Individual Skills</a:t>
             </a:r>
           </a:p>
@@ -4957,14 +4954,14 @@
           <a:p>
             <a:pPr algn="ctr"/>
             <a:r>
-              <a:rPr lang="en-US" sz="1400" dirty="0" smtClean="0"/>
+              <a:rPr lang="en-US" sz="1400" dirty="0"/>
               <a:t>Mistake </a:t>
             </a:r>
           </a:p>
           <a:p>
             <a:pPr algn="ctr"/>
             <a:r>
-              <a:rPr lang="en-US" sz="1400" dirty="0" smtClean="0"/>
+              <a:rPr lang="en-US" sz="1400" dirty="0"/>
               <a:t>vs Weakness</a:t>
             </a:r>
           </a:p>
@@ -4997,7 +4994,7 @@
           <a:p>
             <a:pPr lvl="0" algn="ctr"/>
             <a:r>
-              <a:rPr lang="en-US" sz="1400" dirty="0" smtClean="0"/>
+              <a:rPr lang="en-US" sz="1400" dirty="0"/>
               <a:t>Skills &amp; Tactics</a:t>
             </a:r>
           </a:p>
@@ -5059,10 +5056,9 @@
               </a:spcAft>
             </a:pPr>
             <a:r>
-              <a:rPr lang="en-US" sz="1400" kern="1200" dirty="0" smtClean="0"/>
+              <a:rPr lang="en-US" sz="1400" kern="1200" dirty="0"/>
               <a:t>Game Rules</a:t>
             </a:r>
-            <a:endParaRPr lang="en-US" sz="1400" kern="1200" dirty="0"/>
           </a:p>
         </p:txBody>
       </p:sp>
@@ -5122,10 +5118,9 @@
               </a:spcAft>
             </a:pPr>
             <a:r>
-              <a:rPr lang="en-US" sz="1400" kern="1200" dirty="0" smtClean="0"/>
+              <a:rPr lang="en-US" sz="1400" kern="1200" dirty="0"/>
               <a:t>Standard Rules</a:t>
             </a:r>
-            <a:endParaRPr lang="en-US" sz="1400" kern="1200" dirty="0"/>
           </a:p>
         </p:txBody>
       </p:sp>
@@ -5185,10 +5180,9 @@
               </a:spcAft>
             </a:pPr>
             <a:r>
-              <a:rPr lang="en-US" sz="1400" kern="1200" dirty="0" smtClean="0"/>
+              <a:rPr lang="en-US" sz="1400" kern="1200" dirty="0"/>
               <a:t>Tournament Rules</a:t>
             </a:r>
-            <a:endParaRPr lang="en-US" sz="1400" kern="1200" dirty="0"/>
           </a:p>
         </p:txBody>
       </p:sp>
@@ -5248,10 +5242,9 @@
               </a:spcAft>
             </a:pPr>
             <a:r>
-              <a:rPr lang="en-US" sz="1400" kern="1200" dirty="0" smtClean="0"/>
+              <a:rPr lang="en-US" sz="1400" kern="1200" dirty="0"/>
               <a:t>Referee</a:t>
             </a:r>
-            <a:endParaRPr lang="en-US" sz="1400" kern="1200" dirty="0"/>
           </a:p>
         </p:txBody>
       </p:sp>
@@ -5310,10 +5303,9 @@
               </a:spcAft>
             </a:pPr>
             <a:r>
-              <a:rPr lang="en-US" sz="1400" kern="1200" dirty="0" smtClean="0"/>
+              <a:rPr lang="en-US" sz="1400" kern="1200" dirty="0"/>
               <a:t>Strategy &amp; Tactics</a:t>
             </a:r>
-            <a:endParaRPr lang="en-US" sz="1400" kern="1200" dirty="0"/>
           </a:p>
         </p:txBody>
       </p:sp>
@@ -5372,10 +5364,9 @@
               </a:spcAft>
             </a:pPr>
             <a:r>
-              <a:rPr lang="en-US" sz="1400" kern="1200" dirty="0" smtClean="0"/>
+              <a:rPr lang="en-US" sz="1400" kern="1200" dirty="0"/>
               <a:t>Game Plan</a:t>
             </a:r>
-            <a:endParaRPr lang="en-US" sz="1400" kern="1200" dirty="0"/>
           </a:p>
         </p:txBody>
       </p:sp>
@@ -5529,10 +5520,9 @@
               </a:spcAft>
             </a:pPr>
             <a:r>
-              <a:rPr lang="en-US" sz="1400" kern="1200" dirty="0" smtClean="0"/>
+              <a:rPr lang="en-US" sz="1400" kern="1200" dirty="0"/>
               <a:t>In the Zone</a:t>
             </a:r>
-            <a:endParaRPr lang="en-US" sz="1400" kern="1200" dirty="0"/>
           </a:p>
         </p:txBody>
       </p:sp>
@@ -5739,10 +5729,9 @@
               </a:spcAft>
             </a:pPr>
             <a:r>
-              <a:rPr lang="en-US" sz="1400" kern="1200" dirty="0" smtClean="0"/>
+              <a:rPr lang="en-US" sz="1400" kern="1200" dirty="0"/>
               <a:t>Positive mindset</a:t>
             </a:r>
-            <a:endParaRPr lang="en-US" sz="1400" kern="1200" dirty="0"/>
           </a:p>
         </p:txBody>
       </p:sp>
@@ -6193,13 +6182,6 @@
   <p:clrMapOvr>
     <a:masterClrMapping/>
   </p:clrMapOvr>
-  <p:timing>
-    <p:tnLst>
-      <p:par>
-        <p:cTn id="1" dur="indefinite" restart="never" nodeType="tmRoot"/>
-      </p:par>
-    </p:tnLst>
-  </p:timing>
 </p:sld>
 </file>
 
@@ -6220,73 +6202,6 @@
           <a:chExt cx="0" cy="0"/>
         </a:xfrm>
       </p:grpSpPr>
-      <p:sp>
-        <p:nvSpPr>
-          <p:cNvPr id="2" name="Title 1"/>
-          <p:cNvSpPr>
-            <a:spLocks noGrp="1"/>
-          </p:cNvSpPr>
-          <p:nvPr>
-            <p:ph type="title"/>
-          </p:nvPr>
-        </p:nvSpPr>
-        <p:spPr/>
-        <p:txBody>
-          <a:bodyPr/>
-          <a:lstStyle/>
-          <a:p>
-            <a:endParaRPr lang="en-US"/>
-          </a:p>
-        </p:txBody>
-      </p:sp>
-      <p:pic>
-        <p:nvPicPr>
-          <p:cNvPr id="1026" name="Picture 2" descr="Understand Icons - Free SVG &amp; PNG Understand Images - Noun ..."/>
-          <p:cNvPicPr>
-            <a:picLocks noChangeAspect="1" noChangeArrowheads="1"/>
-          </p:cNvPicPr>
-          <p:nvPr/>
-        </p:nvPicPr>
-        <p:blipFill>
-          <a:blip r:embed="rId2">
-            <a:duotone>
-              <a:schemeClr val="accent6">
-                <a:shade val="45000"/>
-                <a:satMod val="135000"/>
-              </a:schemeClr>
-              <a:prstClr val="white"/>
-            </a:duotone>
-            <a:extLst>
-              <a:ext uri="{28A0092B-C50C-407E-A947-70E740481C1C}">
-                <a14:useLocalDpi xmlns:a14="http://schemas.microsoft.com/office/drawing/2010/main" val="0"/>
-              </a:ext>
-            </a:extLst>
-          </a:blip>
-          <a:srcRect/>
-          <a:stretch>
-            <a:fillRect/>
-          </a:stretch>
-        </p:blipFill>
-        <p:spPr bwMode="auto">
-          <a:xfrm>
-            <a:off x="1693818" y="3161944"/>
-            <a:ext cx="1905000" cy="1905000"/>
-          </a:xfrm>
-          <a:prstGeom prst="rect">
-            <a:avLst/>
-          </a:prstGeom>
-          <a:noFill/>
-          <a:extLst>
-            <a:ext uri="{909E8E84-426E-40DD-AFC4-6F175D3DCCD1}">
-              <a14:hiddenFill xmlns:a14="http://schemas.microsoft.com/office/drawing/2010/main">
-                <a:solidFill>
-                  <a:srgbClr val="FFFFFF"/>
-                </a:solidFill>
-              </a14:hiddenFill>
-            </a:ext>
-          </a:extLst>
-        </p:spPr>
-      </p:pic>
       <p:grpSp>
         <p:nvGrpSpPr>
           <p:cNvPr id="14" name="Group 13"/>
@@ -6357,8 +6272,8 @@
           </p:nvSpPr>
           <p:spPr>
             <a:xfrm>
-              <a:off x="4111710" y="3561780"/>
-              <a:ext cx="731520" cy="731520"/>
+              <a:off x="3918005" y="3358342"/>
+              <a:ext cx="1080000" cy="1080000"/>
             </a:xfrm>
             <a:prstGeom prst="ellipse">
               <a:avLst/>
@@ -6367,9 +6282,7 @@
               <a:schemeClr val="bg1"/>
             </a:solidFill>
             <a:ln w="57150">
-              <a:solidFill>
-                <a:srgbClr val="4C81B2"/>
-              </a:solidFill>
+              <a:noFill/>
             </a:ln>
           </p:spPr>
           <p:style>
@@ -6394,7 +6307,7 @@
             <a:p>
               <a:pPr algn="ctr"/>
               <a:r>
-                <a:rPr lang="en-US" sz="4000" b="1" dirty="0" smtClean="0">
+                <a:rPr lang="en-US" sz="6000" b="1" dirty="0">
                   <a:ln w="38100">
                     <a:solidFill>
                       <a:srgbClr val="2E6CA4"/>
@@ -6408,7 +6321,7 @@
                 </a:rPr>
                 <a:t></a:t>
               </a:r>
-              <a:endParaRPr lang="en-US" sz="4000" b="1" dirty="0">
+              <a:endParaRPr lang="en-US" sz="6000" b="1" dirty="0">
                 <a:ln w="38100">
                   <a:solidFill>
                     <a:srgbClr val="2E6CA4"/>
@@ -6431,7 +6344,7 @@
         </p:nvGrpSpPr>
         <p:grpSpPr>
           <a:xfrm>
-            <a:off x="5503818" y="3161944"/>
+            <a:off x="108005" y="3053878"/>
             <a:ext cx="1905000" cy="1905000"/>
             <a:chOff x="5503818" y="3161944"/>
             <a:chExt cx="1905000" cy="1905000"/>
@@ -6553,8 +6466,8 @@
           </p:blipFill>
           <p:spPr>
             <a:xfrm flipH="1">
-              <a:off x="5823005" y="3528468"/>
-              <a:ext cx="925225" cy="1171951"/>
+              <a:off x="5748189" y="3387540"/>
+              <a:ext cx="1059535" cy="1342077"/>
             </a:xfrm>
             <a:prstGeom prst="rect">
               <a:avLst/>
@@ -6562,9 +6475,155 @@
           </p:spPr>
         </p:pic>
       </p:grpSp>
+      <p:grpSp>
+        <p:nvGrpSpPr>
+          <p:cNvPr id="4" name="Group 3">
+            <a:extLst>
+              <a:ext uri="{FF2B5EF4-FFF2-40B4-BE49-F238E27FC236}">
+                <a16:creationId xmlns:a16="http://schemas.microsoft.com/office/drawing/2014/main" id="{04E706A5-A87C-5869-4787-EE477F96534C}"/>
+              </a:ext>
+            </a:extLst>
+          </p:cNvPr>
+          <p:cNvGrpSpPr/>
+          <p:nvPr/>
+        </p:nvGrpSpPr>
+        <p:grpSpPr>
+          <a:xfrm>
+            <a:off x="1693818" y="3161944"/>
+            <a:ext cx="1905000" cy="1905000"/>
+            <a:chOff x="1693818" y="3161944"/>
+            <a:chExt cx="1905000" cy="1905000"/>
+          </a:xfrm>
+        </p:grpSpPr>
+        <p:pic>
+          <p:nvPicPr>
+            <p:cNvPr id="1026" name="Picture 2" descr="Understand Icons - Free SVG &amp; PNG Understand Images - Noun ..."/>
+            <p:cNvPicPr>
+              <a:picLocks noChangeAspect="1" noChangeArrowheads="1"/>
+            </p:cNvPicPr>
+            <p:nvPr/>
+          </p:nvPicPr>
+          <p:blipFill>
+            <a:blip r:embed="rId2">
+              <a:duotone>
+                <a:schemeClr val="accent6">
+                  <a:shade val="45000"/>
+                  <a:satMod val="135000"/>
+                </a:schemeClr>
+                <a:prstClr val="white"/>
+              </a:duotone>
+              <a:extLst>
+                <a:ext uri="{28A0092B-C50C-407E-A947-70E740481C1C}">
+                  <a14:useLocalDpi xmlns:a14="http://schemas.microsoft.com/office/drawing/2010/main" val="0"/>
+                </a:ext>
+              </a:extLst>
+            </a:blip>
+            <a:srcRect/>
+            <a:stretch>
+              <a:fillRect/>
+            </a:stretch>
+          </p:blipFill>
+          <p:spPr bwMode="auto">
+            <a:xfrm>
+              <a:off x="1693818" y="3161944"/>
+              <a:ext cx="1905000" cy="1905000"/>
+            </a:xfrm>
+            <a:prstGeom prst="rect">
+              <a:avLst/>
+            </a:prstGeom>
+            <a:noFill/>
+            <a:extLst>
+              <a:ext uri="{909E8E84-426E-40DD-AFC4-6F175D3DCCD1}">
+                <a14:hiddenFill xmlns:a14="http://schemas.microsoft.com/office/drawing/2010/main">
+                  <a:solidFill>
+                    <a:srgbClr val="FFFFFF"/>
+                  </a:solidFill>
+                </a14:hiddenFill>
+              </a:ext>
+            </a:extLst>
+          </p:spPr>
+        </p:pic>
+        <p:sp>
+          <p:nvSpPr>
+            <p:cNvPr id="3" name="Oval 2">
+              <a:extLst>
+                <a:ext uri="{FF2B5EF4-FFF2-40B4-BE49-F238E27FC236}">
+                  <a16:creationId xmlns:a16="http://schemas.microsoft.com/office/drawing/2014/main" id="{25AACDB9-987E-4FBA-D156-E165FE370C85}"/>
+                </a:ext>
+              </a:extLst>
+            </p:cNvPr>
+            <p:cNvSpPr/>
+            <p:nvPr/>
+          </p:nvSpPr>
+          <p:spPr>
+            <a:xfrm>
+              <a:off x="2013005" y="3387540"/>
+              <a:ext cx="1080000" cy="1080000"/>
+            </a:xfrm>
+            <a:prstGeom prst="ellipse">
+              <a:avLst/>
+            </a:prstGeom>
+            <a:solidFill>
+              <a:schemeClr val="bg1"/>
+            </a:solidFill>
+            <a:ln w="57150">
+              <a:noFill/>
+            </a:ln>
+          </p:spPr>
+          <p:style>
+            <a:lnRef idx="2">
+              <a:schemeClr val="accent1">
+                <a:shade val="50000"/>
+              </a:schemeClr>
+            </a:lnRef>
+            <a:fillRef idx="1">
+              <a:schemeClr val="accent1"/>
+            </a:fillRef>
+            <a:effectRef idx="0">
+              <a:schemeClr val="accent1"/>
+            </a:effectRef>
+            <a:fontRef idx="minor">
+              <a:schemeClr val="lt1"/>
+            </a:fontRef>
+          </p:style>
+          <p:txBody>
+            <a:bodyPr lIns="0" tIns="0" rIns="0" bIns="0" rtlCol="0" anchor="ctr" anchorCtr="1"/>
+            <a:lstStyle/>
+            <a:p>
+              <a:pPr algn="ctr"/>
+              <a:r>
+                <a:rPr lang="en-US" sz="8000" dirty="0">
+                  <a:solidFill>
+                    <a:srgbClr val="6B9B4B"/>
+                  </a:solidFill>
+                  <a:sym typeface="Wingdings" panose="05000000000000000000" pitchFamily="2" charset="2"/>
+                </a:rPr>
+                <a:t></a:t>
+              </a:r>
+              <a:endParaRPr lang="en-US" sz="4800" b="1" dirty="0">
+                <a:ln w="38100">
+                  <a:solidFill>
+                    <a:srgbClr val="2E6CA4"/>
+                  </a:solidFill>
+                </a:ln>
+                <a:solidFill>
+                  <a:srgbClr val="6B9B4B"/>
+                </a:solidFill>
+                <a:latin typeface="Berlin Sans FB Demi" panose="020E0802020502020306" pitchFamily="34" charset="0"/>
+              </a:endParaRPr>
+            </a:p>
+          </p:txBody>
+        </p:sp>
+      </p:grpSp>
       <p:pic>
         <p:nvPicPr>
-          <p:cNvPr id="25" name="Picture 24"/>
+          <p:cNvPr id="17" name="Picture 16">
+            <a:extLst>
+              <a:ext uri="{FF2B5EF4-FFF2-40B4-BE49-F238E27FC236}">
+                <a16:creationId xmlns:a16="http://schemas.microsoft.com/office/drawing/2014/main" id="{4B20FDE1-B6C1-35FC-BF71-65D4A32616B8}"/>
+              </a:ext>
+            </a:extLst>
+          </p:cNvPr>
           <p:cNvPicPr>
             <a:picLocks noChangeAspect="1"/>
           </p:cNvPicPr>
@@ -6578,8 +6637,8 @@
         </p:blipFill>
         <p:spPr>
           <a:xfrm>
-            <a:off x="8767372" y="2717908"/>
-            <a:ext cx="457200" cy="457200"/>
+            <a:off x="6381553" y="848929"/>
+            <a:ext cx="172820" cy="180000"/>
           </a:xfrm>
           <a:prstGeom prst="rect">
             <a:avLst/>
@@ -6588,7 +6647,13 @@
       </p:pic>
       <p:pic>
         <p:nvPicPr>
-          <p:cNvPr id="27" name="Picture 26"/>
+          <p:cNvPr id="21" name="Picture 20">
+            <a:extLst>
+              <a:ext uri="{FF2B5EF4-FFF2-40B4-BE49-F238E27FC236}">
+                <a16:creationId xmlns:a16="http://schemas.microsoft.com/office/drawing/2014/main" id="{FD3E3254-5E6C-8090-F080-2FFDE611B446}"/>
+              </a:ext>
+            </a:extLst>
+          </p:cNvPr>
           <p:cNvPicPr>
             <a:picLocks noChangeAspect="1"/>
           </p:cNvPicPr>
@@ -6602,8 +6667,8 @@
         </p:blipFill>
         <p:spPr>
           <a:xfrm>
-            <a:off x="8425835" y="2378256"/>
-            <a:ext cx="458666" cy="457200"/>
+            <a:off x="7053818" y="1372625"/>
+            <a:ext cx="180575" cy="180000"/>
           </a:xfrm>
           <a:prstGeom prst="rect">
             <a:avLst/>
@@ -6612,7 +6677,13 @@
       </p:pic>
       <p:pic>
         <p:nvPicPr>
-          <p:cNvPr id="31" name="Picture 30"/>
+          <p:cNvPr id="28" name="Picture 27">
+            <a:extLst>
+              <a:ext uri="{FF2B5EF4-FFF2-40B4-BE49-F238E27FC236}">
+                <a16:creationId xmlns:a16="http://schemas.microsoft.com/office/drawing/2014/main" id="{50535CF2-88A7-3244-45C8-0CCB6DA2A799}"/>
+              </a:ext>
+            </a:extLst>
+          </p:cNvPr>
           <p:cNvPicPr>
             <a:picLocks noChangeAspect="1"/>
           </p:cNvPicPr>
@@ -6626,12 +6697,266 @@
         </p:blipFill>
         <p:spPr>
           <a:xfrm>
-            <a:off x="8085764" y="2038604"/>
-            <a:ext cx="457200" cy="457200"/>
+            <a:off x="7123264" y="2170084"/>
+            <a:ext cx="180000" cy="180000"/>
           </a:xfrm>
           <a:prstGeom prst="rect">
             <a:avLst/>
           </a:prstGeom>
+        </p:spPr>
+      </p:pic>
+      <p:pic>
+        <p:nvPicPr>
+          <p:cNvPr id="29" name="Picture 2" descr="Tailor Measurement Tape Png Transparent PNG - 940x198 - Free Download on  NicePNG">
+            <a:extLst>
+              <a:ext uri="{FF2B5EF4-FFF2-40B4-BE49-F238E27FC236}">
+                <a16:creationId xmlns:a16="http://schemas.microsoft.com/office/drawing/2014/main" id="{928F0CA4-3651-CC37-3457-3940EC2DA8FE}"/>
+              </a:ext>
+            </a:extLst>
+          </p:cNvPr>
+          <p:cNvPicPr>
+            <a:picLocks noChangeAspect="1" noChangeArrowheads="1"/>
+          </p:cNvPicPr>
+          <p:nvPr/>
+        </p:nvPicPr>
+        <p:blipFill>
+          <a:blip r:embed="rId7" cstate="print">
+            <a:extLst>
+              <a:ext uri="{28A0092B-C50C-407E-A947-70E740481C1C}">
+                <a14:useLocalDpi xmlns:a14="http://schemas.microsoft.com/office/drawing/2010/main" val="0"/>
+              </a:ext>
+            </a:extLst>
+          </a:blip>
+          <a:srcRect/>
+          <a:stretch>
+            <a:fillRect/>
+          </a:stretch>
+        </p:blipFill>
+        <p:spPr bwMode="auto">
+          <a:xfrm>
+            <a:off x="2049695" y="792443"/>
+            <a:ext cx="2086619" cy="580182"/>
+          </a:xfrm>
+          <a:prstGeom prst="ellipse">
+            <a:avLst/>
+          </a:prstGeom>
+          <a:ln w="63500" cap="rnd">
+            <a:noFill/>
+          </a:ln>
+          <a:effectLst>
+            <a:outerShdw blurRad="381000" dist="292100" dir="5400000" sx="-80000" sy="-18000" rotWithShape="0">
+              <a:srgbClr val="000000">
+                <a:alpha val="22000"/>
+              </a:srgbClr>
+            </a:outerShdw>
+          </a:effectLst>
+          <a:scene3d>
+            <a:camera prst="orthographicFront"/>
+            <a:lightRig rig="contrasting" dir="t">
+              <a:rot lat="0" lon="0" rev="3000000"/>
+            </a:lightRig>
+          </a:scene3d>
+          <a:sp3d contourW="7620">
+            <a:bevelT w="95250" h="31750"/>
+            <a:contourClr>
+              <a:srgbClr val="333333"/>
+            </a:contourClr>
+          </a:sp3d>
+          <a:extLst>
+            <a:ext uri="{909E8E84-426E-40DD-AFC4-6F175D3DCCD1}">
+              <a14:hiddenFill xmlns:a14="http://schemas.microsoft.com/office/drawing/2010/main">
+                <a:solidFill>
+                  <a:srgbClr val="FFFFFF"/>
+                </a:solidFill>
+              </a14:hiddenFill>
+            </a:ext>
+          </a:extLst>
+        </p:spPr>
+      </p:pic>
+      <p:pic>
+        <p:nvPicPr>
+          <p:cNvPr id="1028" name="Picture 4" descr="Weight icons for free download | Freepik">
+            <a:extLst>
+              <a:ext uri="{FF2B5EF4-FFF2-40B4-BE49-F238E27FC236}">
+                <a16:creationId xmlns:a16="http://schemas.microsoft.com/office/drawing/2014/main" id="{ADBF1957-8836-D78A-8953-AAB3486E94D0}"/>
+              </a:ext>
+            </a:extLst>
+          </p:cNvPr>
+          <p:cNvPicPr>
+            <a:picLocks noChangeAspect="1" noChangeArrowheads="1"/>
+          </p:cNvPicPr>
+          <p:nvPr/>
+        </p:nvPicPr>
+        <p:blipFill>
+          <a:blip r:embed="rId8" cstate="print">
+            <a:extLst>
+              <a:ext uri="{28A0092B-C50C-407E-A947-70E740481C1C}">
+                <a14:useLocalDpi xmlns:a14="http://schemas.microsoft.com/office/drawing/2010/main" val="0"/>
+              </a:ext>
+            </a:extLst>
+          </a:blip>
+          <a:srcRect/>
+          <a:stretch>
+            <a:fillRect/>
+          </a:stretch>
+        </p:blipFill>
+        <p:spPr bwMode="auto">
+          <a:xfrm>
+            <a:off x="6811814" y="2873878"/>
+            <a:ext cx="360000" cy="360000"/>
+          </a:xfrm>
+          <a:prstGeom prst="rect">
+            <a:avLst/>
+          </a:prstGeom>
+          <a:noFill/>
+          <a:extLst>
+            <a:ext uri="{909E8E84-426E-40DD-AFC4-6F175D3DCCD1}">
+              <a14:hiddenFill xmlns:a14="http://schemas.microsoft.com/office/drawing/2010/main">
+                <a:solidFill>
+                  <a:srgbClr val="FFFFFF"/>
+                </a:solidFill>
+              </a14:hiddenFill>
+            </a:ext>
+          </a:extLst>
+        </p:spPr>
+      </p:pic>
+      <p:pic>
+        <p:nvPicPr>
+          <p:cNvPr id="1030" name="Picture 6" descr="40+ Stopwatch Icon Png Stock Illustrations, Royalty-Free Vector Graphics &amp;  Clip Art - iStock">
+            <a:extLst>
+              <a:ext uri="{FF2B5EF4-FFF2-40B4-BE49-F238E27FC236}">
+                <a16:creationId xmlns:a16="http://schemas.microsoft.com/office/drawing/2014/main" id="{0CF05EDC-0DB2-9D8B-5B4B-8ADE4B5B396E}"/>
+              </a:ext>
+            </a:extLst>
+          </p:cNvPr>
+          <p:cNvPicPr>
+            <a:picLocks noChangeAspect="1" noChangeArrowheads="1"/>
+          </p:cNvPicPr>
+          <p:nvPr/>
+        </p:nvPicPr>
+        <p:blipFill rotWithShape="1">
+          <a:blip r:embed="rId9" cstate="print">
+            <a:extLst>
+              <a:ext uri="{28A0092B-C50C-407E-A947-70E740481C1C}">
+                <a14:useLocalDpi xmlns:a14="http://schemas.microsoft.com/office/drawing/2010/main" val="0"/>
+              </a:ext>
+            </a:extLst>
+          </a:blip>
+          <a:srcRect l="6988" t="6543" r="29847" b="12246"/>
+          <a:stretch/>
+        </p:blipFill>
+        <p:spPr bwMode="auto">
+          <a:xfrm>
+            <a:off x="7837728" y="2873878"/>
+            <a:ext cx="360000" cy="360000"/>
+          </a:xfrm>
+          <a:prstGeom prst="ellipse">
+            <a:avLst/>
+          </a:prstGeom>
+          <a:noFill/>
+          <a:extLst>
+            <a:ext uri="{909E8E84-426E-40DD-AFC4-6F175D3DCCD1}">
+              <a14:hiddenFill xmlns:a14="http://schemas.microsoft.com/office/drawing/2010/main">
+                <a:solidFill>
+                  <a:srgbClr val="FFFFFF"/>
+                </a:solidFill>
+              </a14:hiddenFill>
+            </a:ext>
+          </a:extLst>
+        </p:spPr>
+      </p:pic>
+      <p:pic>
+        <p:nvPicPr>
+          <p:cNvPr id="1032" name="Picture 8" descr="Measure - Free edit tools icons">
+            <a:extLst>
+              <a:ext uri="{FF2B5EF4-FFF2-40B4-BE49-F238E27FC236}">
+                <a16:creationId xmlns:a16="http://schemas.microsoft.com/office/drawing/2014/main" id="{1C1363F3-59AF-FC1B-5488-78281AAD383E}"/>
+              </a:ext>
+            </a:extLst>
+          </p:cNvPr>
+          <p:cNvPicPr>
+            <a:picLocks noChangeAspect="1" noChangeArrowheads="1"/>
+          </p:cNvPicPr>
+          <p:nvPr/>
+        </p:nvPicPr>
+        <p:blipFill>
+          <a:blip r:embed="rId10" cstate="print">
+            <a:extLst>
+              <a:ext uri="{28A0092B-C50C-407E-A947-70E740481C1C}">
+                <a14:useLocalDpi xmlns:a14="http://schemas.microsoft.com/office/drawing/2010/main" val="0"/>
+              </a:ext>
+            </a:extLst>
+          </a:blip>
+          <a:srcRect/>
+          <a:stretch>
+            <a:fillRect/>
+          </a:stretch>
+        </p:blipFill>
+        <p:spPr bwMode="auto">
+          <a:xfrm>
+            <a:off x="7328994" y="2873878"/>
+            <a:ext cx="360000" cy="360000"/>
+          </a:xfrm>
+          <a:prstGeom prst="rect">
+            <a:avLst/>
+          </a:prstGeom>
+          <a:noFill/>
+          <a:extLst>
+            <a:ext uri="{909E8E84-426E-40DD-AFC4-6F175D3DCCD1}">
+              <a14:hiddenFill xmlns:a14="http://schemas.microsoft.com/office/drawing/2010/main">
+                <a:solidFill>
+                  <a:srgbClr val="FFFFFF"/>
+                </a:solidFill>
+              </a14:hiddenFill>
+            </a:ext>
+          </a:extLst>
+        </p:spPr>
+      </p:pic>
+      <p:pic>
+        <p:nvPicPr>
+          <p:cNvPr id="1034" name="Picture 10" descr="Scoreboard - Free sports icons">
+            <a:extLst>
+              <a:ext uri="{FF2B5EF4-FFF2-40B4-BE49-F238E27FC236}">
+                <a16:creationId xmlns:a16="http://schemas.microsoft.com/office/drawing/2014/main" id="{0AC0233F-AB95-260B-C43F-A63444A57F23}"/>
+              </a:ext>
+            </a:extLst>
+          </p:cNvPr>
+          <p:cNvPicPr>
+            <a:picLocks noChangeAspect="1" noChangeArrowheads="1"/>
+          </p:cNvPicPr>
+          <p:nvPr/>
+        </p:nvPicPr>
+        <p:blipFill>
+          <a:blip r:embed="rId11" cstate="print">
+            <a:extLst>
+              <a:ext uri="{28A0092B-C50C-407E-A947-70E740481C1C}">
+                <a14:useLocalDpi xmlns:a14="http://schemas.microsoft.com/office/drawing/2010/main" val="0"/>
+              </a:ext>
+            </a:extLst>
+          </a:blip>
+          <a:srcRect/>
+          <a:stretch>
+            <a:fillRect/>
+          </a:stretch>
+        </p:blipFill>
+        <p:spPr bwMode="auto">
+          <a:xfrm>
+            <a:off x="7148994" y="3279474"/>
+            <a:ext cx="720000" cy="720000"/>
+          </a:xfrm>
+          <a:prstGeom prst="rect">
+            <a:avLst/>
+          </a:prstGeom>
+          <a:noFill/>
+          <a:extLst>
+            <a:ext uri="{909E8E84-426E-40DD-AFC4-6F175D3DCCD1}">
+              <a14:hiddenFill xmlns:a14="http://schemas.microsoft.com/office/drawing/2010/main">
+                <a:solidFill>
+                  <a:srgbClr val="FFFFFF"/>
+                </a:solidFill>
+              </a14:hiddenFill>
+            </a:ext>
+          </a:extLst>
         </p:spPr>
       </p:pic>
     </p:spTree>
